--- a/Bandeneon Playing Drones.pptx
+++ b/Bandeneon Playing Drones.pptx
@@ -4,8 +4,30 @@
   <p:sldMasterIdLst>
     <p:sldMasterId id="2147483648" r:id="rId1"/>
   </p:sldMasterIdLst>
+  <p:notesMasterIdLst>
+    <p:notesMasterId r:id="rId22"/>
+  </p:notesMasterIdLst>
   <p:sldIdLst>
     <p:sldId id="256" r:id="rId2"/>
+    <p:sldId id="257" r:id="rId3"/>
+    <p:sldId id="258" r:id="rId4"/>
+    <p:sldId id="259" r:id="rId5"/>
+    <p:sldId id="260" r:id="rId6"/>
+    <p:sldId id="261" r:id="rId7"/>
+    <p:sldId id="262" r:id="rId8"/>
+    <p:sldId id="263" r:id="rId9"/>
+    <p:sldId id="264" r:id="rId10"/>
+    <p:sldId id="265" r:id="rId11"/>
+    <p:sldId id="266" r:id="rId12"/>
+    <p:sldId id="267" r:id="rId13"/>
+    <p:sldId id="268" r:id="rId14"/>
+    <p:sldId id="269" r:id="rId15"/>
+    <p:sldId id="270" r:id="rId16"/>
+    <p:sldId id="271" r:id="rId17"/>
+    <p:sldId id="272" r:id="rId18"/>
+    <p:sldId id="273" r:id="rId19"/>
+    <p:sldId id="274" r:id="rId20"/>
+    <p:sldId id="275" r:id="rId21"/>
   </p:sldIdLst>
   <p:sldSz cx="12192000" cy="6858000"/>
   <p:notesSz cx="6858000" cy="9144000"/>
@@ -104,7 +126,446 @@
       </a:defRPr>
     </a:lvl9pPr>
   </p:defaultTextStyle>
+  <p:extLst>
+    <p:ext uri="{EFAFB233-063F-42B5-8137-9DF3F51BA10A}">
+      <p15:sldGuideLst xmlns:p15="http://schemas.microsoft.com/office/powerpoint/2012/main"/>
+    </p:ext>
+  </p:extLst>
 </p:presentation>
+</file>
+
+<file path=ppt/notesMasters/notesMaster1.xml><?xml version="1.0" encoding="utf-8"?>
+<p:notesMaster xmlns:a="http://schemas.openxmlformats.org/drawingml/2006/main" xmlns:r="http://schemas.openxmlformats.org/officeDocument/2006/relationships" xmlns:p="http://schemas.openxmlformats.org/presentationml/2006/main">
+  <p:cSld>
+    <p:bg>
+      <p:bgRef idx="1001">
+        <a:schemeClr val="bg1"/>
+      </p:bgRef>
+    </p:bg>
+    <p:spTree>
+      <p:nvGrpSpPr>
+        <p:cNvPr id="1" name=""/>
+        <p:cNvGrpSpPr/>
+        <p:nvPr/>
+      </p:nvGrpSpPr>
+      <p:grpSpPr>
+        <a:xfrm>
+          <a:off x="0" y="0"/>
+          <a:ext cx="0" cy="0"/>
+          <a:chOff x="0" y="0"/>
+          <a:chExt cx="0" cy="0"/>
+        </a:xfrm>
+      </p:grpSpPr>
+      <p:sp>
+        <p:nvSpPr>
+          <p:cNvPr id="2" name="Header Placeholder 1"/>
+          <p:cNvSpPr>
+            <a:spLocks noGrp="1"/>
+          </p:cNvSpPr>
+          <p:nvPr>
+            <p:ph type="hdr" sz="quarter"/>
+          </p:nvPr>
+        </p:nvSpPr>
+        <p:spPr>
+          <a:xfrm>
+            <a:off x="0" y="0"/>
+            <a:ext cx="2971800" cy="458788"/>
+          </a:xfrm>
+          <a:prstGeom prst="rect">
+            <a:avLst/>
+          </a:prstGeom>
+        </p:spPr>
+        <p:txBody>
+          <a:bodyPr vert="horz" lIns="91440" tIns="45720" rIns="91440" bIns="45720" rtlCol="0"/>
+          <a:lstStyle>
+            <a:lvl1pPr algn="l">
+              <a:defRPr sz="1200"/>
+            </a:lvl1pPr>
+          </a:lstStyle>
+          <a:p>
+            <a:endParaRPr lang="en-US"/>
+          </a:p>
+        </p:txBody>
+      </p:sp>
+      <p:sp>
+        <p:nvSpPr>
+          <p:cNvPr id="3" name="Date Placeholder 2"/>
+          <p:cNvSpPr>
+            <a:spLocks noGrp="1"/>
+          </p:cNvSpPr>
+          <p:nvPr>
+            <p:ph type="dt" idx="1"/>
+          </p:nvPr>
+        </p:nvSpPr>
+        <p:spPr>
+          <a:xfrm>
+            <a:off x="3884613" y="0"/>
+            <a:ext cx="2971800" cy="458788"/>
+          </a:xfrm>
+          <a:prstGeom prst="rect">
+            <a:avLst/>
+          </a:prstGeom>
+        </p:spPr>
+        <p:txBody>
+          <a:bodyPr vert="horz" lIns="91440" tIns="45720" rIns="91440" bIns="45720" rtlCol="0"/>
+          <a:lstStyle>
+            <a:lvl1pPr algn="r">
+              <a:defRPr sz="1200"/>
+            </a:lvl1pPr>
+          </a:lstStyle>
+          <a:p>
+            <a:fld id="{CDCD6EED-5F92-42C2-9571-8F1C8505283E}" type="datetimeFigureOut">
+              <a:rPr lang="en-US" smtClean="0"/>
+              <a:t>1/23/2017</a:t>
+            </a:fld>
+            <a:endParaRPr lang="en-US"/>
+          </a:p>
+        </p:txBody>
+      </p:sp>
+      <p:sp>
+        <p:nvSpPr>
+          <p:cNvPr id="4" name="Slide Image Placeholder 3"/>
+          <p:cNvSpPr>
+            <a:spLocks noGrp="1" noRot="1" noChangeAspect="1"/>
+          </p:cNvSpPr>
+          <p:nvPr>
+            <p:ph type="sldImg" idx="2"/>
+          </p:nvPr>
+        </p:nvSpPr>
+        <p:spPr>
+          <a:xfrm>
+            <a:off x="685800" y="1143000"/>
+            <a:ext cx="5486400" cy="3086100"/>
+          </a:xfrm>
+          <a:prstGeom prst="rect">
+            <a:avLst/>
+          </a:prstGeom>
+          <a:noFill/>
+          <a:ln w="12700">
+            <a:solidFill>
+              <a:prstClr val="black"/>
+            </a:solidFill>
+          </a:ln>
+        </p:spPr>
+        <p:txBody>
+          <a:bodyPr vert="horz" lIns="91440" tIns="45720" rIns="91440" bIns="45720" rtlCol="0" anchor="ctr"/>
+          <a:lstStyle/>
+          <a:p>
+            <a:endParaRPr lang="en-US"/>
+          </a:p>
+        </p:txBody>
+      </p:sp>
+      <p:sp>
+        <p:nvSpPr>
+          <p:cNvPr id="5" name="Notes Placeholder 4"/>
+          <p:cNvSpPr>
+            <a:spLocks noGrp="1"/>
+          </p:cNvSpPr>
+          <p:nvPr>
+            <p:ph type="body" sz="quarter" idx="3"/>
+          </p:nvPr>
+        </p:nvSpPr>
+        <p:spPr>
+          <a:xfrm>
+            <a:off x="685800" y="4400550"/>
+            <a:ext cx="5486400" cy="3600450"/>
+          </a:xfrm>
+          <a:prstGeom prst="rect">
+            <a:avLst/>
+          </a:prstGeom>
+        </p:spPr>
+        <p:txBody>
+          <a:bodyPr vert="horz" lIns="91440" tIns="45720" rIns="91440" bIns="45720" rtlCol="0"/>
+          <a:lstStyle/>
+          <a:p>
+            <a:pPr lvl="0"/>
+            <a:r>
+              <a:rPr lang="en-US" smtClean="0"/>
+              <a:t>Click to edit Master text styles</a:t>
+            </a:r>
+          </a:p>
+          <a:p>
+            <a:pPr lvl="1"/>
+            <a:r>
+              <a:rPr lang="en-US" smtClean="0"/>
+              <a:t>Second level</a:t>
+            </a:r>
+          </a:p>
+          <a:p>
+            <a:pPr lvl="2"/>
+            <a:r>
+              <a:rPr lang="en-US" smtClean="0"/>
+              <a:t>Third level</a:t>
+            </a:r>
+          </a:p>
+          <a:p>
+            <a:pPr lvl="3"/>
+            <a:r>
+              <a:rPr lang="en-US" smtClean="0"/>
+              <a:t>Fourth level</a:t>
+            </a:r>
+          </a:p>
+          <a:p>
+            <a:pPr lvl="4"/>
+            <a:r>
+              <a:rPr lang="en-US" smtClean="0"/>
+              <a:t>Fifth level</a:t>
+            </a:r>
+            <a:endParaRPr lang="en-US"/>
+          </a:p>
+        </p:txBody>
+      </p:sp>
+      <p:sp>
+        <p:nvSpPr>
+          <p:cNvPr id="6" name="Footer Placeholder 5"/>
+          <p:cNvSpPr>
+            <a:spLocks noGrp="1"/>
+          </p:cNvSpPr>
+          <p:nvPr>
+            <p:ph type="ftr" sz="quarter" idx="4"/>
+          </p:nvPr>
+        </p:nvSpPr>
+        <p:spPr>
+          <a:xfrm>
+            <a:off x="0" y="8685213"/>
+            <a:ext cx="2971800" cy="458787"/>
+          </a:xfrm>
+          <a:prstGeom prst="rect">
+            <a:avLst/>
+          </a:prstGeom>
+        </p:spPr>
+        <p:txBody>
+          <a:bodyPr vert="horz" lIns="91440" tIns="45720" rIns="91440" bIns="45720" rtlCol="0" anchor="b"/>
+          <a:lstStyle>
+            <a:lvl1pPr algn="l">
+              <a:defRPr sz="1200"/>
+            </a:lvl1pPr>
+          </a:lstStyle>
+          <a:p>
+            <a:endParaRPr lang="en-US"/>
+          </a:p>
+        </p:txBody>
+      </p:sp>
+      <p:sp>
+        <p:nvSpPr>
+          <p:cNvPr id="7" name="Slide Number Placeholder 6"/>
+          <p:cNvSpPr>
+            <a:spLocks noGrp="1"/>
+          </p:cNvSpPr>
+          <p:nvPr>
+            <p:ph type="sldNum" sz="quarter" idx="5"/>
+          </p:nvPr>
+        </p:nvSpPr>
+        <p:spPr>
+          <a:xfrm>
+            <a:off x="3884613" y="8685213"/>
+            <a:ext cx="2971800" cy="458787"/>
+          </a:xfrm>
+          <a:prstGeom prst="rect">
+            <a:avLst/>
+          </a:prstGeom>
+        </p:spPr>
+        <p:txBody>
+          <a:bodyPr vert="horz" lIns="91440" tIns="45720" rIns="91440" bIns="45720" rtlCol="0" anchor="b"/>
+          <a:lstStyle>
+            <a:lvl1pPr algn="r">
+              <a:defRPr sz="1200"/>
+            </a:lvl1pPr>
+          </a:lstStyle>
+          <a:p>
+            <a:fld id="{69D007C5-D989-4B21-9DA3-BDAECE13E348}" type="slidenum">
+              <a:rPr lang="en-US" smtClean="0"/>
+              <a:t>‹#›</a:t>
+            </a:fld>
+            <a:endParaRPr lang="en-US"/>
+          </a:p>
+        </p:txBody>
+      </p:sp>
+    </p:spTree>
+    <p:extLst>
+      <p:ext uri="{BB962C8B-B14F-4D97-AF65-F5344CB8AC3E}">
+        <p14:creationId xmlns:p14="http://schemas.microsoft.com/office/powerpoint/2010/main" val="4267704591"/>
+      </p:ext>
+    </p:extLst>
+  </p:cSld>
+  <p:clrMap bg1="lt1" tx1="dk1" bg2="lt2" tx2="dk2" accent1="accent1" accent2="accent2" accent3="accent3" accent4="accent4" accent5="accent5" accent6="accent6" hlink="hlink" folHlink="folHlink"/>
+  <p:notesStyle>
+    <a:lvl1pPr marL="0" algn="l" defTabSz="914400" rtl="0" eaLnBrk="1" latinLnBrk="0" hangingPunct="1">
+      <a:defRPr sz="1200" kern="1200">
+        <a:solidFill>
+          <a:schemeClr val="tx1"/>
+        </a:solidFill>
+        <a:latin typeface="+mn-lt"/>
+        <a:ea typeface="+mn-ea"/>
+        <a:cs typeface="+mn-cs"/>
+      </a:defRPr>
+    </a:lvl1pPr>
+    <a:lvl2pPr marL="457200" algn="l" defTabSz="914400" rtl="0" eaLnBrk="1" latinLnBrk="0" hangingPunct="1">
+      <a:defRPr sz="1200" kern="1200">
+        <a:solidFill>
+          <a:schemeClr val="tx1"/>
+        </a:solidFill>
+        <a:latin typeface="+mn-lt"/>
+        <a:ea typeface="+mn-ea"/>
+        <a:cs typeface="+mn-cs"/>
+      </a:defRPr>
+    </a:lvl2pPr>
+    <a:lvl3pPr marL="914400" algn="l" defTabSz="914400" rtl="0" eaLnBrk="1" latinLnBrk="0" hangingPunct="1">
+      <a:defRPr sz="1200" kern="1200">
+        <a:solidFill>
+          <a:schemeClr val="tx1"/>
+        </a:solidFill>
+        <a:latin typeface="+mn-lt"/>
+        <a:ea typeface="+mn-ea"/>
+        <a:cs typeface="+mn-cs"/>
+      </a:defRPr>
+    </a:lvl3pPr>
+    <a:lvl4pPr marL="1371600" algn="l" defTabSz="914400" rtl="0" eaLnBrk="1" latinLnBrk="0" hangingPunct="1">
+      <a:defRPr sz="1200" kern="1200">
+        <a:solidFill>
+          <a:schemeClr val="tx1"/>
+        </a:solidFill>
+        <a:latin typeface="+mn-lt"/>
+        <a:ea typeface="+mn-ea"/>
+        <a:cs typeface="+mn-cs"/>
+      </a:defRPr>
+    </a:lvl4pPr>
+    <a:lvl5pPr marL="1828800" algn="l" defTabSz="914400" rtl="0" eaLnBrk="1" latinLnBrk="0" hangingPunct="1">
+      <a:defRPr sz="1200" kern="1200">
+        <a:solidFill>
+          <a:schemeClr val="tx1"/>
+        </a:solidFill>
+        <a:latin typeface="+mn-lt"/>
+        <a:ea typeface="+mn-ea"/>
+        <a:cs typeface="+mn-cs"/>
+      </a:defRPr>
+    </a:lvl5pPr>
+    <a:lvl6pPr marL="2286000" algn="l" defTabSz="914400" rtl="0" eaLnBrk="1" latinLnBrk="0" hangingPunct="1">
+      <a:defRPr sz="1200" kern="1200">
+        <a:solidFill>
+          <a:schemeClr val="tx1"/>
+        </a:solidFill>
+        <a:latin typeface="+mn-lt"/>
+        <a:ea typeface="+mn-ea"/>
+        <a:cs typeface="+mn-cs"/>
+      </a:defRPr>
+    </a:lvl6pPr>
+    <a:lvl7pPr marL="2743200" algn="l" defTabSz="914400" rtl="0" eaLnBrk="1" latinLnBrk="0" hangingPunct="1">
+      <a:defRPr sz="1200" kern="1200">
+        <a:solidFill>
+          <a:schemeClr val="tx1"/>
+        </a:solidFill>
+        <a:latin typeface="+mn-lt"/>
+        <a:ea typeface="+mn-ea"/>
+        <a:cs typeface="+mn-cs"/>
+      </a:defRPr>
+    </a:lvl7pPr>
+    <a:lvl8pPr marL="3200400" algn="l" defTabSz="914400" rtl="0" eaLnBrk="1" latinLnBrk="0" hangingPunct="1">
+      <a:defRPr sz="1200" kern="1200">
+        <a:solidFill>
+          <a:schemeClr val="tx1"/>
+        </a:solidFill>
+        <a:latin typeface="+mn-lt"/>
+        <a:ea typeface="+mn-ea"/>
+        <a:cs typeface="+mn-cs"/>
+      </a:defRPr>
+    </a:lvl8pPr>
+    <a:lvl9pPr marL="3657600" algn="l" defTabSz="914400" rtl="0" eaLnBrk="1" latinLnBrk="0" hangingPunct="1">
+      <a:defRPr sz="1200" kern="1200">
+        <a:solidFill>
+          <a:schemeClr val="tx1"/>
+        </a:solidFill>
+        <a:latin typeface="+mn-lt"/>
+        <a:ea typeface="+mn-ea"/>
+        <a:cs typeface="+mn-cs"/>
+      </a:defRPr>
+    </a:lvl9pPr>
+  </p:notesStyle>
+</p:notesMaster>
+</file>
+
+<file path=ppt/notesSlides/notesSlide1.xml><?xml version="1.0" encoding="utf-8"?>
+<p:notes xmlns:a="http://schemas.openxmlformats.org/drawingml/2006/main" xmlns:r="http://schemas.openxmlformats.org/officeDocument/2006/relationships" xmlns:p="http://schemas.openxmlformats.org/presentationml/2006/main">
+  <p:cSld>
+    <p:spTree>
+      <p:nvGrpSpPr>
+        <p:cNvPr id="1" name=""/>
+        <p:cNvGrpSpPr/>
+        <p:nvPr/>
+      </p:nvGrpSpPr>
+      <p:grpSpPr>
+        <a:xfrm>
+          <a:off x="0" y="0"/>
+          <a:ext cx="0" cy="0"/>
+          <a:chOff x="0" y="0"/>
+          <a:chExt cx="0" cy="0"/>
+        </a:xfrm>
+      </p:grpSpPr>
+      <p:sp>
+        <p:nvSpPr>
+          <p:cNvPr id="2" name="Slide Image Placeholder 1"/>
+          <p:cNvSpPr>
+            <a:spLocks noGrp="1" noRot="1" noChangeAspect="1"/>
+          </p:cNvSpPr>
+          <p:nvPr>
+            <p:ph type="sldImg"/>
+          </p:nvPr>
+        </p:nvSpPr>
+        <p:spPr/>
+      </p:sp>
+      <p:sp>
+        <p:nvSpPr>
+          <p:cNvPr id="3" name="Notes Placeholder 2"/>
+          <p:cNvSpPr>
+            <a:spLocks noGrp="1"/>
+          </p:cNvSpPr>
+          <p:nvPr>
+            <p:ph type="body" idx="1"/>
+          </p:nvPr>
+        </p:nvSpPr>
+        <p:spPr/>
+        <p:txBody>
+          <a:bodyPr/>
+          <a:lstStyle/>
+          <a:p>
+            <a:endParaRPr lang="en-US"/>
+          </a:p>
+        </p:txBody>
+      </p:sp>
+      <p:sp>
+        <p:nvSpPr>
+          <p:cNvPr id="4" name="Slide Number Placeholder 3"/>
+          <p:cNvSpPr>
+            <a:spLocks noGrp="1"/>
+          </p:cNvSpPr>
+          <p:nvPr>
+            <p:ph type="sldNum" sz="quarter" idx="10"/>
+          </p:nvPr>
+        </p:nvSpPr>
+        <p:spPr/>
+        <p:txBody>
+          <a:bodyPr/>
+          <a:lstStyle/>
+          <a:p>
+            <a:fld id="{69D007C5-D989-4B21-9DA3-BDAECE13E348}" type="slidenum">
+              <a:rPr lang="en-US" smtClean="0"/>
+              <a:t>8</a:t>
+            </a:fld>
+            <a:endParaRPr lang="en-US"/>
+          </a:p>
+        </p:txBody>
+      </p:sp>
+    </p:spTree>
+    <p:extLst>
+      <p:ext uri="{BB962C8B-B14F-4D97-AF65-F5344CB8AC3E}">
+        <p14:creationId xmlns:p14="http://schemas.microsoft.com/office/powerpoint/2010/main" val="3280739321"/>
+      </p:ext>
+    </p:extLst>
+  </p:cSld>
+  <p:clrMapOvr>
+    <a:masterClrMapping/>
+  </p:clrMapOvr>
+</p:notes>
 </file>
 
 <file path=ppt/slideLayouts/slideLayout1.xml><?xml version="1.0" encoding="utf-8"?>
@@ -5785,6 +6246,3050 @@
 </p:sld>
 </file>
 
+<file path=ppt/slides/slide10.xml><?xml version="1.0" encoding="utf-8"?>
+<p:sld xmlns:a="http://schemas.openxmlformats.org/drawingml/2006/main" xmlns:r="http://schemas.openxmlformats.org/officeDocument/2006/relationships" xmlns:p="http://schemas.openxmlformats.org/presentationml/2006/main">
+  <p:cSld>
+    <p:spTree>
+      <p:nvGrpSpPr>
+        <p:cNvPr id="1" name=""/>
+        <p:cNvGrpSpPr/>
+        <p:nvPr/>
+      </p:nvGrpSpPr>
+      <p:grpSpPr>
+        <a:xfrm>
+          <a:off x="0" y="0"/>
+          <a:ext cx="0" cy="0"/>
+          <a:chOff x="0" y="0"/>
+          <a:chExt cx="0" cy="0"/>
+        </a:xfrm>
+      </p:grpSpPr>
+      <p:sp>
+        <p:nvSpPr>
+          <p:cNvPr id="2" name="Title 1"/>
+          <p:cNvSpPr>
+            <a:spLocks noGrp="1"/>
+          </p:cNvSpPr>
+          <p:nvPr>
+            <p:ph type="title"/>
+          </p:nvPr>
+        </p:nvSpPr>
+        <p:spPr/>
+        <p:txBody>
+          <a:bodyPr/>
+          <a:lstStyle/>
+          <a:p>
+            <a:r>
+              <a:rPr lang="tr-TR" dirty="0" smtClean="0"/>
+              <a:t>Control</a:t>
+            </a:r>
+            <a:endParaRPr lang="en-US" dirty="0"/>
+          </a:p>
+        </p:txBody>
+      </p:sp>
+      <p:pic>
+        <p:nvPicPr>
+          <p:cNvPr id="4" name="Content Placeholder 3"/>
+          <p:cNvPicPr>
+            <a:picLocks noGrp="1" noChangeAspect="1"/>
+          </p:cNvPicPr>
+          <p:nvPr>
+            <p:ph idx="1"/>
+          </p:nvPr>
+        </p:nvPicPr>
+        <p:blipFill>
+          <a:blip r:embed="rId2">
+            <a:extLst>
+              <a:ext uri="{28A0092B-C50C-407E-A947-70E740481C1C}">
+                <a14:useLocalDpi xmlns:a14="http://schemas.microsoft.com/office/drawing/2010/main" val="0"/>
+              </a:ext>
+            </a:extLst>
+          </a:blip>
+          <a:stretch>
+            <a:fillRect/>
+          </a:stretch>
+        </p:blipFill>
+        <p:spPr>
+          <a:xfrm>
+            <a:off x="386905" y="1776198"/>
+            <a:ext cx="5039915" cy="2350959"/>
+          </a:xfrm>
+        </p:spPr>
+      </p:pic>
+      <p:pic>
+        <p:nvPicPr>
+          <p:cNvPr id="5" name="Picture 4"/>
+          <p:cNvPicPr>
+            <a:picLocks noChangeAspect="1"/>
+          </p:cNvPicPr>
+          <p:nvPr/>
+        </p:nvPicPr>
+        <p:blipFill>
+          <a:blip r:embed="rId3">
+            <a:extLst>
+              <a:ext uri="{28A0092B-C50C-407E-A947-70E740481C1C}">
+                <a14:useLocalDpi xmlns:a14="http://schemas.microsoft.com/office/drawing/2010/main" val="0"/>
+              </a:ext>
+            </a:extLst>
+          </a:blip>
+          <a:stretch>
+            <a:fillRect/>
+          </a:stretch>
+        </p:blipFill>
+        <p:spPr>
+          <a:xfrm>
+            <a:off x="695411" y="4127157"/>
+            <a:ext cx="3463065" cy="2622035"/>
+          </a:xfrm>
+          <a:prstGeom prst="rect">
+            <a:avLst/>
+          </a:prstGeom>
+        </p:spPr>
+      </p:pic>
+      <p:pic>
+        <p:nvPicPr>
+          <p:cNvPr id="6" name="Picture 5"/>
+          <p:cNvPicPr>
+            <a:picLocks noChangeAspect="1"/>
+          </p:cNvPicPr>
+          <p:nvPr/>
+        </p:nvPicPr>
+        <p:blipFill>
+          <a:blip r:embed="rId4">
+            <a:extLst>
+              <a:ext uri="{28A0092B-C50C-407E-A947-70E740481C1C}">
+                <a14:useLocalDpi xmlns:a14="http://schemas.microsoft.com/office/drawing/2010/main" val="0"/>
+              </a:ext>
+            </a:extLst>
+          </a:blip>
+          <a:stretch>
+            <a:fillRect/>
+          </a:stretch>
+        </p:blipFill>
+        <p:spPr>
+          <a:xfrm>
+            <a:off x="5008606" y="4223737"/>
+            <a:ext cx="2438400" cy="2428875"/>
+          </a:xfrm>
+          <a:prstGeom prst="rect">
+            <a:avLst/>
+          </a:prstGeom>
+        </p:spPr>
+      </p:pic>
+    </p:spTree>
+    <p:extLst>
+      <p:ext uri="{BB962C8B-B14F-4D97-AF65-F5344CB8AC3E}">
+        <p14:creationId xmlns:p14="http://schemas.microsoft.com/office/powerpoint/2010/main" val="1988653183"/>
+      </p:ext>
+    </p:extLst>
+  </p:cSld>
+  <p:clrMapOvr>
+    <a:masterClrMapping/>
+  </p:clrMapOvr>
+</p:sld>
+</file>
+
+<file path=ppt/slides/slide11.xml><?xml version="1.0" encoding="utf-8"?>
+<p:sld xmlns:a="http://schemas.openxmlformats.org/drawingml/2006/main" xmlns:r="http://schemas.openxmlformats.org/officeDocument/2006/relationships" xmlns:p="http://schemas.openxmlformats.org/presentationml/2006/main">
+  <p:cSld>
+    <p:spTree>
+      <p:nvGrpSpPr>
+        <p:cNvPr id="1" name=""/>
+        <p:cNvGrpSpPr/>
+        <p:nvPr/>
+      </p:nvGrpSpPr>
+      <p:grpSpPr>
+        <a:xfrm>
+          <a:off x="0" y="0"/>
+          <a:ext cx="0" cy="0"/>
+          <a:chOff x="0" y="0"/>
+          <a:chExt cx="0" cy="0"/>
+        </a:xfrm>
+      </p:grpSpPr>
+      <p:sp>
+        <p:nvSpPr>
+          <p:cNvPr id="2" name="Title 1"/>
+          <p:cNvSpPr>
+            <a:spLocks noGrp="1"/>
+          </p:cNvSpPr>
+          <p:nvPr>
+            <p:ph type="title"/>
+          </p:nvPr>
+        </p:nvSpPr>
+        <p:spPr/>
+        <p:txBody>
+          <a:bodyPr/>
+          <a:lstStyle/>
+          <a:p>
+            <a:r>
+              <a:rPr lang="tr-TR" dirty="0" smtClean="0"/>
+              <a:t>Quadrotor Model</a:t>
+            </a:r>
+            <a:endParaRPr lang="en-US" dirty="0"/>
+          </a:p>
+        </p:txBody>
+      </p:sp>
+      <p:pic>
+        <p:nvPicPr>
+          <p:cNvPr id="4" name="Content Placeholder 3"/>
+          <p:cNvPicPr>
+            <a:picLocks noGrp="1" noChangeAspect="1"/>
+          </p:cNvPicPr>
+          <p:nvPr>
+            <p:ph idx="1"/>
+          </p:nvPr>
+        </p:nvPicPr>
+        <p:blipFill>
+          <a:blip r:embed="rId2"/>
+          <a:stretch>
+            <a:fillRect/>
+          </a:stretch>
+        </p:blipFill>
+        <p:spPr>
+          <a:xfrm>
+            <a:off x="2643187" y="1847742"/>
+            <a:ext cx="6905625" cy="2428875"/>
+          </a:xfrm>
+          <a:prstGeom prst="rect">
+            <a:avLst/>
+          </a:prstGeom>
+        </p:spPr>
+      </p:pic>
+    </p:spTree>
+    <p:extLst>
+      <p:ext uri="{BB962C8B-B14F-4D97-AF65-F5344CB8AC3E}">
+        <p14:creationId xmlns:p14="http://schemas.microsoft.com/office/powerpoint/2010/main" val="3627928739"/>
+      </p:ext>
+    </p:extLst>
+  </p:cSld>
+  <p:clrMapOvr>
+    <a:masterClrMapping/>
+  </p:clrMapOvr>
+</p:sld>
+</file>
+
+<file path=ppt/slides/slide12.xml><?xml version="1.0" encoding="utf-8"?>
+<p:sld xmlns:a="http://schemas.openxmlformats.org/drawingml/2006/main" xmlns:r="http://schemas.openxmlformats.org/officeDocument/2006/relationships" xmlns:p="http://schemas.openxmlformats.org/presentationml/2006/main">
+  <p:cSld>
+    <p:spTree>
+      <p:nvGrpSpPr>
+        <p:cNvPr id="1" name=""/>
+        <p:cNvGrpSpPr/>
+        <p:nvPr/>
+      </p:nvGrpSpPr>
+      <p:grpSpPr>
+        <a:xfrm>
+          <a:off x="0" y="0"/>
+          <a:ext cx="0" cy="0"/>
+          <a:chOff x="0" y="0"/>
+          <a:chExt cx="0" cy="0"/>
+        </a:xfrm>
+      </p:grpSpPr>
+      <p:sp>
+        <p:nvSpPr>
+          <p:cNvPr id="2" name="Title 1"/>
+          <p:cNvSpPr>
+            <a:spLocks noGrp="1"/>
+          </p:cNvSpPr>
+          <p:nvPr>
+            <p:ph type="title"/>
+          </p:nvPr>
+        </p:nvSpPr>
+        <p:spPr/>
+        <p:txBody>
+          <a:bodyPr/>
+          <a:lstStyle/>
+          <a:p>
+            <a:r>
+              <a:rPr lang="tr-TR" dirty="0" smtClean="0"/>
+              <a:t>Adding Spring to Quadrotor Model</a:t>
+            </a:r>
+            <a:endParaRPr lang="en-US" dirty="0"/>
+          </a:p>
+        </p:txBody>
+      </p:sp>
+      <p:pic>
+        <p:nvPicPr>
+          <p:cNvPr id="4" name="Content Placeholder 3"/>
+          <p:cNvPicPr>
+            <a:picLocks noGrp="1" noChangeAspect="1"/>
+          </p:cNvPicPr>
+          <p:nvPr>
+            <p:ph idx="1"/>
+          </p:nvPr>
+        </p:nvPicPr>
+        <p:blipFill>
+          <a:blip r:embed="rId2"/>
+          <a:stretch>
+            <a:fillRect/>
+          </a:stretch>
+        </p:blipFill>
+        <p:spPr>
+          <a:xfrm>
+            <a:off x="838200" y="1690688"/>
+            <a:ext cx="5857875" cy="3876675"/>
+          </a:xfrm>
+          <a:prstGeom prst="rect">
+            <a:avLst/>
+          </a:prstGeom>
+        </p:spPr>
+      </p:pic>
+      <p:pic>
+        <p:nvPicPr>
+          <p:cNvPr id="5" name="Picture 4"/>
+          <p:cNvPicPr/>
+          <p:nvPr/>
+        </p:nvPicPr>
+        <p:blipFill>
+          <a:blip r:embed="rId3"/>
+          <a:stretch>
+            <a:fillRect/>
+          </a:stretch>
+        </p:blipFill>
+        <p:spPr>
+          <a:xfrm>
+            <a:off x="7156210" y="1690688"/>
+            <a:ext cx="4862796" cy="1221130"/>
+          </a:xfrm>
+          <a:prstGeom prst="rect">
+            <a:avLst/>
+          </a:prstGeom>
+        </p:spPr>
+      </p:pic>
+    </p:spTree>
+    <p:extLst>
+      <p:ext uri="{BB962C8B-B14F-4D97-AF65-F5344CB8AC3E}">
+        <p14:creationId xmlns:p14="http://schemas.microsoft.com/office/powerpoint/2010/main" val="1470179849"/>
+      </p:ext>
+    </p:extLst>
+  </p:cSld>
+  <p:clrMapOvr>
+    <a:masterClrMapping/>
+  </p:clrMapOvr>
+</p:sld>
+</file>
+
+<file path=ppt/slides/slide13.xml><?xml version="1.0" encoding="utf-8"?>
+<p:sld xmlns:a="http://schemas.openxmlformats.org/drawingml/2006/main" xmlns:r="http://schemas.openxmlformats.org/officeDocument/2006/relationships" xmlns:p="http://schemas.openxmlformats.org/presentationml/2006/main">
+  <p:cSld>
+    <p:spTree>
+      <p:nvGrpSpPr>
+        <p:cNvPr id="1" name=""/>
+        <p:cNvGrpSpPr/>
+        <p:nvPr/>
+      </p:nvGrpSpPr>
+      <p:grpSpPr>
+        <a:xfrm>
+          <a:off x="0" y="0"/>
+          <a:ext cx="0" cy="0"/>
+          <a:chOff x="0" y="0"/>
+          <a:chExt cx="0" cy="0"/>
+        </a:xfrm>
+      </p:grpSpPr>
+      <p:sp>
+        <p:nvSpPr>
+          <p:cNvPr id="2" name="Title 1"/>
+          <p:cNvSpPr>
+            <a:spLocks noGrp="1"/>
+          </p:cNvSpPr>
+          <p:nvPr>
+            <p:ph type="title"/>
+          </p:nvPr>
+        </p:nvSpPr>
+        <p:spPr/>
+        <p:txBody>
+          <a:bodyPr/>
+          <a:lstStyle/>
+          <a:p>
+            <a:r>
+              <a:rPr lang="tr-TR" dirty="0" smtClean="0"/>
+              <a:t>PID for Altitude control</a:t>
+            </a:r>
+            <a:endParaRPr lang="en-US" dirty="0"/>
+          </a:p>
+        </p:txBody>
+      </p:sp>
+      <p:pic>
+        <p:nvPicPr>
+          <p:cNvPr id="5" name="Picture 4"/>
+          <p:cNvPicPr>
+            <a:picLocks noChangeAspect="1"/>
+          </p:cNvPicPr>
+          <p:nvPr/>
+        </p:nvPicPr>
+        <p:blipFill>
+          <a:blip r:embed="rId2">
+            <a:extLst>
+              <a:ext uri="{28A0092B-C50C-407E-A947-70E740481C1C}">
+                <a14:useLocalDpi xmlns:a14="http://schemas.microsoft.com/office/drawing/2010/main" val="0"/>
+              </a:ext>
+            </a:extLst>
+          </a:blip>
+          <a:stretch>
+            <a:fillRect/>
+          </a:stretch>
+        </p:blipFill>
+        <p:spPr>
+          <a:xfrm>
+            <a:off x="838200" y="1761232"/>
+            <a:ext cx="5697238" cy="2621298"/>
+          </a:xfrm>
+          <a:prstGeom prst="rect">
+            <a:avLst/>
+          </a:prstGeom>
+        </p:spPr>
+      </p:pic>
+      <p:sp>
+        <p:nvSpPr>
+          <p:cNvPr id="6" name="Content Placeholder 5"/>
+          <p:cNvSpPr>
+            <a:spLocks noGrp="1"/>
+          </p:cNvSpPr>
+          <p:nvPr>
+            <p:ph idx="1"/>
+          </p:nvPr>
+        </p:nvSpPr>
+        <p:spPr/>
+        <p:txBody>
+          <a:bodyPr/>
+          <a:lstStyle/>
+          <a:p>
+            <a:endParaRPr lang="en-US" dirty="0"/>
+          </a:p>
+        </p:txBody>
+      </p:sp>
+      <p:pic>
+        <p:nvPicPr>
+          <p:cNvPr id="7" name="Picture 6"/>
+          <p:cNvPicPr>
+            <a:picLocks noChangeAspect="1"/>
+          </p:cNvPicPr>
+          <p:nvPr/>
+        </p:nvPicPr>
+        <p:blipFill>
+          <a:blip r:embed="rId3"/>
+          <a:stretch>
+            <a:fillRect/>
+          </a:stretch>
+        </p:blipFill>
+        <p:spPr>
+          <a:xfrm>
+            <a:off x="6535438" y="1755081"/>
+            <a:ext cx="5095875" cy="1952625"/>
+          </a:xfrm>
+          <a:prstGeom prst="rect">
+            <a:avLst/>
+          </a:prstGeom>
+        </p:spPr>
+      </p:pic>
+    </p:spTree>
+    <p:extLst>
+      <p:ext uri="{BB962C8B-B14F-4D97-AF65-F5344CB8AC3E}">
+        <p14:creationId xmlns:p14="http://schemas.microsoft.com/office/powerpoint/2010/main" val="3835064132"/>
+      </p:ext>
+    </p:extLst>
+  </p:cSld>
+  <p:clrMapOvr>
+    <a:masterClrMapping/>
+  </p:clrMapOvr>
+</p:sld>
+</file>
+
+<file path=ppt/slides/slide14.xml><?xml version="1.0" encoding="utf-8"?>
+<p:sld xmlns:a="http://schemas.openxmlformats.org/drawingml/2006/main" xmlns:r="http://schemas.openxmlformats.org/officeDocument/2006/relationships" xmlns:p="http://schemas.openxmlformats.org/presentationml/2006/main">
+  <p:cSld>
+    <p:spTree>
+      <p:nvGrpSpPr>
+        <p:cNvPr id="1" name=""/>
+        <p:cNvGrpSpPr/>
+        <p:nvPr/>
+      </p:nvGrpSpPr>
+      <p:grpSpPr>
+        <a:xfrm>
+          <a:off x="0" y="0"/>
+          <a:ext cx="0" cy="0"/>
+          <a:chOff x="0" y="0"/>
+          <a:chExt cx="0" cy="0"/>
+        </a:xfrm>
+      </p:grpSpPr>
+      <p:sp>
+        <p:nvSpPr>
+          <p:cNvPr id="2" name="Title 1"/>
+          <p:cNvSpPr>
+            <a:spLocks noGrp="1"/>
+          </p:cNvSpPr>
+          <p:nvPr>
+            <p:ph type="title"/>
+          </p:nvPr>
+        </p:nvSpPr>
+        <p:spPr/>
+        <p:txBody>
+          <a:bodyPr/>
+          <a:lstStyle/>
+          <a:p>
+            <a:r>
+              <a:rPr lang="tr-TR" dirty="0" smtClean="0"/>
+              <a:t>PID for Horizontal Velocity Control</a:t>
+            </a:r>
+            <a:endParaRPr lang="en-US" dirty="0"/>
+          </a:p>
+        </p:txBody>
+      </p:sp>
+      <p:pic>
+        <p:nvPicPr>
+          <p:cNvPr id="4" name="Content Placeholder 3"/>
+          <p:cNvPicPr>
+            <a:picLocks noGrp="1" noChangeAspect="1"/>
+          </p:cNvPicPr>
+          <p:nvPr>
+            <p:ph idx="1"/>
+          </p:nvPr>
+        </p:nvPicPr>
+        <p:blipFill>
+          <a:blip r:embed="rId2"/>
+          <a:stretch>
+            <a:fillRect/>
+          </a:stretch>
+        </p:blipFill>
+        <p:spPr>
+          <a:xfrm>
+            <a:off x="7320434" y="1690688"/>
+            <a:ext cx="4391025" cy="3705225"/>
+          </a:xfrm>
+          <a:prstGeom prst="rect">
+            <a:avLst/>
+          </a:prstGeom>
+        </p:spPr>
+      </p:pic>
+      <p:pic>
+        <p:nvPicPr>
+          <p:cNvPr id="5" name="Picture 4"/>
+          <p:cNvPicPr>
+            <a:picLocks noChangeAspect="1"/>
+          </p:cNvPicPr>
+          <p:nvPr/>
+        </p:nvPicPr>
+        <p:blipFill>
+          <a:blip r:embed="rId3"/>
+          <a:stretch>
+            <a:fillRect/>
+          </a:stretch>
+        </p:blipFill>
+        <p:spPr>
+          <a:xfrm>
+            <a:off x="838200" y="1690688"/>
+            <a:ext cx="4238625" cy="2943225"/>
+          </a:xfrm>
+          <a:prstGeom prst="rect">
+            <a:avLst/>
+          </a:prstGeom>
+        </p:spPr>
+      </p:pic>
+    </p:spTree>
+    <p:extLst>
+      <p:ext uri="{BB962C8B-B14F-4D97-AF65-F5344CB8AC3E}">
+        <p14:creationId xmlns:p14="http://schemas.microsoft.com/office/powerpoint/2010/main" val="3036466047"/>
+      </p:ext>
+    </p:extLst>
+  </p:cSld>
+  <p:clrMapOvr>
+    <a:masterClrMapping/>
+  </p:clrMapOvr>
+</p:sld>
+</file>
+
+<file path=ppt/slides/slide15.xml><?xml version="1.0" encoding="utf-8"?>
+<p:sld xmlns:a="http://schemas.openxmlformats.org/drawingml/2006/main" xmlns:r="http://schemas.openxmlformats.org/officeDocument/2006/relationships" xmlns:p="http://schemas.openxmlformats.org/presentationml/2006/main">
+  <p:cSld>
+    <p:spTree>
+      <p:nvGrpSpPr>
+        <p:cNvPr id="1" name=""/>
+        <p:cNvGrpSpPr/>
+        <p:nvPr/>
+      </p:nvGrpSpPr>
+      <p:grpSpPr>
+        <a:xfrm>
+          <a:off x="0" y="0"/>
+          <a:ext cx="0" cy="0"/>
+          <a:chOff x="0" y="0"/>
+          <a:chExt cx="0" cy="0"/>
+        </a:xfrm>
+      </p:grpSpPr>
+      <p:sp>
+        <p:nvSpPr>
+          <p:cNvPr id="2" name="Title 1"/>
+          <p:cNvSpPr>
+            <a:spLocks noGrp="1"/>
+          </p:cNvSpPr>
+          <p:nvPr>
+            <p:ph type="title"/>
+          </p:nvPr>
+        </p:nvSpPr>
+        <p:spPr/>
+        <p:txBody>
+          <a:bodyPr/>
+          <a:lstStyle/>
+          <a:p>
+            <a:r>
+              <a:rPr lang="tr-TR" dirty="0" smtClean="0"/>
+              <a:t>Responses</a:t>
+            </a:r>
+            <a:endParaRPr lang="en-US" dirty="0"/>
+          </a:p>
+        </p:txBody>
+      </p:sp>
+      <p:sp>
+        <p:nvSpPr>
+          <p:cNvPr id="3" name="Content Placeholder 2"/>
+          <p:cNvSpPr>
+            <a:spLocks noGrp="1"/>
+          </p:cNvSpPr>
+          <p:nvPr>
+            <p:ph idx="1"/>
+          </p:nvPr>
+        </p:nvSpPr>
+        <p:spPr/>
+        <p:txBody>
+          <a:bodyPr/>
+          <a:lstStyle/>
+          <a:p>
+            <a:r>
+              <a:rPr lang="tr-TR" dirty="0" smtClean="0"/>
+              <a:t>Altitude</a:t>
+            </a:r>
+            <a:endParaRPr lang="en-US" dirty="0"/>
+          </a:p>
+        </p:txBody>
+      </p:sp>
+      <p:pic>
+        <p:nvPicPr>
+          <p:cNvPr id="4" name="Picture 3"/>
+          <p:cNvPicPr/>
+          <p:nvPr/>
+        </p:nvPicPr>
+        <p:blipFill>
+          <a:blip r:embed="rId2"/>
+          <a:stretch>
+            <a:fillRect/>
+          </a:stretch>
+        </p:blipFill>
+        <p:spPr>
+          <a:xfrm>
+            <a:off x="3214867" y="1825625"/>
+            <a:ext cx="4674870" cy="3549015"/>
+          </a:xfrm>
+          <a:prstGeom prst="rect">
+            <a:avLst/>
+          </a:prstGeom>
+        </p:spPr>
+      </p:pic>
+    </p:spTree>
+    <p:extLst>
+      <p:ext uri="{BB962C8B-B14F-4D97-AF65-F5344CB8AC3E}">
+        <p14:creationId xmlns:p14="http://schemas.microsoft.com/office/powerpoint/2010/main" val="3971607644"/>
+      </p:ext>
+    </p:extLst>
+  </p:cSld>
+  <p:clrMapOvr>
+    <a:masterClrMapping/>
+  </p:clrMapOvr>
+</p:sld>
+</file>
+
+<file path=ppt/slides/slide16.xml><?xml version="1.0" encoding="utf-8"?>
+<p:sld xmlns:a="http://schemas.openxmlformats.org/drawingml/2006/main" xmlns:r="http://schemas.openxmlformats.org/officeDocument/2006/relationships" xmlns:p="http://schemas.openxmlformats.org/presentationml/2006/main">
+  <p:cSld>
+    <p:spTree>
+      <p:nvGrpSpPr>
+        <p:cNvPr id="1" name=""/>
+        <p:cNvGrpSpPr/>
+        <p:nvPr/>
+      </p:nvGrpSpPr>
+      <p:grpSpPr>
+        <a:xfrm>
+          <a:off x="0" y="0"/>
+          <a:ext cx="0" cy="0"/>
+          <a:chOff x="0" y="0"/>
+          <a:chExt cx="0" cy="0"/>
+        </a:xfrm>
+      </p:grpSpPr>
+      <p:sp>
+        <p:nvSpPr>
+          <p:cNvPr id="2" name="Title 1"/>
+          <p:cNvSpPr>
+            <a:spLocks noGrp="1"/>
+          </p:cNvSpPr>
+          <p:nvPr>
+            <p:ph type="title"/>
+          </p:nvPr>
+        </p:nvSpPr>
+        <p:spPr/>
+        <p:txBody>
+          <a:bodyPr/>
+          <a:lstStyle/>
+          <a:p>
+            <a:endParaRPr lang="en-US"/>
+          </a:p>
+        </p:txBody>
+      </p:sp>
+      <p:sp>
+        <p:nvSpPr>
+          <p:cNvPr id="3" name="Content Placeholder 2"/>
+          <p:cNvSpPr>
+            <a:spLocks noGrp="1"/>
+          </p:cNvSpPr>
+          <p:nvPr>
+            <p:ph idx="1"/>
+          </p:nvPr>
+        </p:nvSpPr>
+        <p:spPr>
+          <a:xfrm>
+            <a:off x="1120000" y="1825625"/>
+            <a:ext cx="698245" cy="612775"/>
+          </a:xfrm>
+        </p:spPr>
+        <p:txBody>
+          <a:bodyPr/>
+          <a:lstStyle/>
+          <a:p>
+            <a:r>
+              <a:rPr lang="tr-TR" dirty="0" smtClean="0"/>
+              <a:t>X</a:t>
+            </a:r>
+            <a:endParaRPr lang="en-US" dirty="0"/>
+          </a:p>
+        </p:txBody>
+      </p:sp>
+      <p:pic>
+        <p:nvPicPr>
+          <p:cNvPr id="4" name="Picture 3"/>
+          <p:cNvPicPr/>
+          <p:nvPr/>
+        </p:nvPicPr>
+        <p:blipFill>
+          <a:blip r:embed="rId2"/>
+          <a:stretch>
+            <a:fillRect/>
+          </a:stretch>
+        </p:blipFill>
+        <p:spPr>
+          <a:xfrm>
+            <a:off x="1818245" y="1825625"/>
+            <a:ext cx="4667250" cy="3729990"/>
+          </a:xfrm>
+          <a:prstGeom prst="rect">
+            <a:avLst/>
+          </a:prstGeom>
+        </p:spPr>
+      </p:pic>
+      <p:sp>
+        <p:nvSpPr>
+          <p:cNvPr id="6" name="Content Placeholder 2"/>
+          <p:cNvSpPr txBox="1">
+            <a:spLocks/>
+          </p:cNvSpPr>
+          <p:nvPr/>
+        </p:nvSpPr>
+        <p:spPr>
+          <a:xfrm>
+            <a:off x="6544616" y="1825625"/>
+            <a:ext cx="698245" cy="612775"/>
+          </a:xfrm>
+          <a:prstGeom prst="rect">
+            <a:avLst/>
+          </a:prstGeom>
+        </p:spPr>
+        <p:txBody>
+          <a:bodyPr vert="horz" lIns="91440" tIns="45720" rIns="91440" bIns="45720" rtlCol="0">
+            <a:normAutofit/>
+          </a:bodyPr>
+          <a:lstStyle>
+            <a:lvl1pPr marL="228600" indent="-228600" algn="l" defTabSz="914400" rtl="0" eaLnBrk="1" latinLnBrk="0" hangingPunct="1">
+              <a:lnSpc>
+                <a:spcPct val="90000"/>
+              </a:lnSpc>
+              <a:spcBef>
+                <a:spcPts val="1000"/>
+              </a:spcBef>
+              <a:buFont typeface="Arial" panose="020B0604020202020204" pitchFamily="34" charset="0"/>
+              <a:buChar char="•"/>
+              <a:defRPr sz="2800" kern="1200">
+                <a:gradFill>
+                  <a:gsLst>
+                    <a:gs pos="34000">
+                      <a:schemeClr val="tx1">
+                        <a:lumMod val="93000"/>
+                      </a:schemeClr>
+                    </a:gs>
+                    <a:gs pos="0">
+                      <a:schemeClr val="bg1">
+                        <a:lumMod val="25000"/>
+                        <a:lumOff val="75000"/>
+                      </a:schemeClr>
+                    </a:gs>
+                    <a:gs pos="100000">
+                      <a:schemeClr val="tx2">
+                        <a:lumMod val="0"/>
+                        <a:lumOff val="100000"/>
+                      </a:schemeClr>
+                    </a:gs>
+                  </a:gsLst>
+                  <a:lin ang="4800000" scaled="0"/>
+                </a:gradFill>
+                <a:latin typeface="+mn-lt"/>
+                <a:ea typeface="+mn-ea"/>
+                <a:cs typeface="+mn-cs"/>
+              </a:defRPr>
+            </a:lvl1pPr>
+            <a:lvl2pPr marL="685800" indent="-228600" algn="l" defTabSz="914400" rtl="0" eaLnBrk="1" latinLnBrk="0" hangingPunct="1">
+              <a:lnSpc>
+                <a:spcPct val="90000"/>
+              </a:lnSpc>
+              <a:spcBef>
+                <a:spcPts val="500"/>
+              </a:spcBef>
+              <a:buFont typeface="Arial" panose="020B0604020202020204" pitchFamily="34" charset="0"/>
+              <a:buChar char="•"/>
+              <a:defRPr sz="2400" kern="1200">
+                <a:gradFill>
+                  <a:gsLst>
+                    <a:gs pos="34000">
+                      <a:schemeClr val="tx1">
+                        <a:lumMod val="93000"/>
+                      </a:schemeClr>
+                    </a:gs>
+                    <a:gs pos="0">
+                      <a:schemeClr val="bg1">
+                        <a:lumMod val="25000"/>
+                        <a:lumOff val="75000"/>
+                      </a:schemeClr>
+                    </a:gs>
+                    <a:gs pos="100000">
+                      <a:schemeClr val="tx2">
+                        <a:lumMod val="0"/>
+                        <a:lumOff val="100000"/>
+                      </a:schemeClr>
+                    </a:gs>
+                  </a:gsLst>
+                  <a:lin ang="4800000" scaled="0"/>
+                </a:gradFill>
+                <a:latin typeface="+mn-lt"/>
+                <a:ea typeface="+mn-ea"/>
+                <a:cs typeface="+mn-cs"/>
+              </a:defRPr>
+            </a:lvl2pPr>
+            <a:lvl3pPr marL="1143000" indent="-228600" algn="l" defTabSz="914400" rtl="0" eaLnBrk="1" latinLnBrk="0" hangingPunct="1">
+              <a:lnSpc>
+                <a:spcPct val="90000"/>
+              </a:lnSpc>
+              <a:spcBef>
+                <a:spcPts val="500"/>
+              </a:spcBef>
+              <a:buFont typeface="Arial" panose="020B0604020202020204" pitchFamily="34" charset="0"/>
+              <a:buChar char="•"/>
+              <a:defRPr sz="2000" kern="1200">
+                <a:gradFill>
+                  <a:gsLst>
+                    <a:gs pos="34000">
+                      <a:schemeClr val="tx1">
+                        <a:lumMod val="93000"/>
+                      </a:schemeClr>
+                    </a:gs>
+                    <a:gs pos="0">
+                      <a:schemeClr val="bg1">
+                        <a:lumMod val="25000"/>
+                        <a:lumOff val="75000"/>
+                      </a:schemeClr>
+                    </a:gs>
+                    <a:gs pos="100000">
+                      <a:schemeClr val="tx2">
+                        <a:lumMod val="0"/>
+                        <a:lumOff val="100000"/>
+                      </a:schemeClr>
+                    </a:gs>
+                  </a:gsLst>
+                  <a:lin ang="4800000" scaled="0"/>
+                </a:gradFill>
+                <a:latin typeface="+mn-lt"/>
+                <a:ea typeface="+mn-ea"/>
+                <a:cs typeface="+mn-cs"/>
+              </a:defRPr>
+            </a:lvl3pPr>
+            <a:lvl4pPr marL="1600200" indent="-228600" algn="l" defTabSz="914400" rtl="0" eaLnBrk="1" latinLnBrk="0" hangingPunct="1">
+              <a:lnSpc>
+                <a:spcPct val="90000"/>
+              </a:lnSpc>
+              <a:spcBef>
+                <a:spcPts val="500"/>
+              </a:spcBef>
+              <a:buFont typeface="Arial" panose="020B0604020202020204" pitchFamily="34" charset="0"/>
+              <a:buChar char="•"/>
+              <a:defRPr sz="1800" kern="1200">
+                <a:gradFill>
+                  <a:gsLst>
+                    <a:gs pos="34000">
+                      <a:schemeClr val="tx1">
+                        <a:lumMod val="93000"/>
+                      </a:schemeClr>
+                    </a:gs>
+                    <a:gs pos="0">
+                      <a:schemeClr val="bg1">
+                        <a:lumMod val="25000"/>
+                        <a:lumOff val="75000"/>
+                      </a:schemeClr>
+                    </a:gs>
+                    <a:gs pos="100000">
+                      <a:schemeClr val="tx2">
+                        <a:lumMod val="0"/>
+                        <a:lumOff val="100000"/>
+                      </a:schemeClr>
+                    </a:gs>
+                  </a:gsLst>
+                  <a:lin ang="4800000" scaled="0"/>
+                </a:gradFill>
+                <a:latin typeface="+mn-lt"/>
+                <a:ea typeface="+mn-ea"/>
+                <a:cs typeface="+mn-cs"/>
+              </a:defRPr>
+            </a:lvl4pPr>
+            <a:lvl5pPr marL="2057400" indent="-228600" algn="l" defTabSz="914400" rtl="0" eaLnBrk="1" latinLnBrk="0" hangingPunct="1">
+              <a:lnSpc>
+                <a:spcPct val="90000"/>
+              </a:lnSpc>
+              <a:spcBef>
+                <a:spcPts val="500"/>
+              </a:spcBef>
+              <a:buFont typeface="Arial" panose="020B0604020202020204" pitchFamily="34" charset="0"/>
+              <a:buChar char="•"/>
+              <a:defRPr sz="1800" kern="1200">
+                <a:gradFill>
+                  <a:gsLst>
+                    <a:gs pos="34000">
+                      <a:schemeClr val="tx1">
+                        <a:lumMod val="93000"/>
+                      </a:schemeClr>
+                    </a:gs>
+                    <a:gs pos="0">
+                      <a:schemeClr val="bg1">
+                        <a:lumMod val="25000"/>
+                        <a:lumOff val="75000"/>
+                      </a:schemeClr>
+                    </a:gs>
+                    <a:gs pos="100000">
+                      <a:schemeClr val="tx2">
+                        <a:lumMod val="0"/>
+                        <a:lumOff val="100000"/>
+                      </a:schemeClr>
+                    </a:gs>
+                  </a:gsLst>
+                  <a:lin ang="4800000" scaled="0"/>
+                </a:gradFill>
+                <a:latin typeface="+mn-lt"/>
+                <a:ea typeface="+mn-ea"/>
+                <a:cs typeface="+mn-cs"/>
+              </a:defRPr>
+            </a:lvl5pPr>
+            <a:lvl6pPr marL="2514600" indent="-228600" algn="l" defTabSz="914400" rtl="0" eaLnBrk="1" latinLnBrk="0" hangingPunct="1">
+              <a:lnSpc>
+                <a:spcPct val="90000"/>
+              </a:lnSpc>
+              <a:spcBef>
+                <a:spcPts val="500"/>
+              </a:spcBef>
+              <a:buFont typeface="Arial" panose="020B0604020202020204" pitchFamily="34" charset="0"/>
+              <a:buChar char="•"/>
+              <a:defRPr sz="1800" kern="1200">
+                <a:solidFill>
+                  <a:schemeClr val="tx1"/>
+                </a:solidFill>
+                <a:latin typeface="+mn-lt"/>
+                <a:ea typeface="+mn-ea"/>
+                <a:cs typeface="+mn-cs"/>
+              </a:defRPr>
+            </a:lvl6pPr>
+            <a:lvl7pPr marL="2971800" indent="-228600" algn="l" defTabSz="914400" rtl="0" eaLnBrk="1" latinLnBrk="0" hangingPunct="1">
+              <a:lnSpc>
+                <a:spcPct val="90000"/>
+              </a:lnSpc>
+              <a:spcBef>
+                <a:spcPts val="500"/>
+              </a:spcBef>
+              <a:buFont typeface="Arial" panose="020B0604020202020204" pitchFamily="34" charset="0"/>
+              <a:buChar char="•"/>
+              <a:defRPr sz="1800" kern="1200">
+                <a:solidFill>
+                  <a:schemeClr val="tx1"/>
+                </a:solidFill>
+                <a:latin typeface="+mn-lt"/>
+                <a:ea typeface="+mn-ea"/>
+                <a:cs typeface="+mn-cs"/>
+              </a:defRPr>
+            </a:lvl7pPr>
+            <a:lvl8pPr marL="3429000" indent="-228600" algn="l" defTabSz="914400" rtl="0" eaLnBrk="1" latinLnBrk="0" hangingPunct="1">
+              <a:lnSpc>
+                <a:spcPct val="90000"/>
+              </a:lnSpc>
+              <a:spcBef>
+                <a:spcPts val="500"/>
+              </a:spcBef>
+              <a:buFont typeface="Arial" panose="020B0604020202020204" pitchFamily="34" charset="0"/>
+              <a:buChar char="•"/>
+              <a:defRPr sz="1800" kern="1200">
+                <a:solidFill>
+                  <a:schemeClr val="tx1"/>
+                </a:solidFill>
+                <a:latin typeface="+mn-lt"/>
+                <a:ea typeface="+mn-ea"/>
+                <a:cs typeface="+mn-cs"/>
+              </a:defRPr>
+            </a:lvl8pPr>
+            <a:lvl9pPr marL="3886200" indent="-228600" algn="l" defTabSz="914400" rtl="0" eaLnBrk="1" latinLnBrk="0" hangingPunct="1">
+              <a:lnSpc>
+                <a:spcPct val="90000"/>
+              </a:lnSpc>
+              <a:spcBef>
+                <a:spcPts val="500"/>
+              </a:spcBef>
+              <a:buFont typeface="Arial" panose="020B0604020202020204" pitchFamily="34" charset="0"/>
+              <a:buChar char="•"/>
+              <a:defRPr sz="1800" kern="1200">
+                <a:solidFill>
+                  <a:schemeClr val="tx1"/>
+                </a:solidFill>
+                <a:latin typeface="+mn-lt"/>
+                <a:ea typeface="+mn-ea"/>
+                <a:cs typeface="+mn-cs"/>
+              </a:defRPr>
+            </a:lvl9pPr>
+          </a:lstStyle>
+          <a:p>
+            <a:r>
+              <a:rPr lang="tr-TR" dirty="0" smtClean="0"/>
+              <a:t>Y</a:t>
+            </a:r>
+            <a:endParaRPr lang="en-US" dirty="0"/>
+          </a:p>
+        </p:txBody>
+      </p:sp>
+      <p:pic>
+        <p:nvPicPr>
+          <p:cNvPr id="7" name="Picture 6"/>
+          <p:cNvPicPr/>
+          <p:nvPr/>
+        </p:nvPicPr>
+        <p:blipFill>
+          <a:blip r:embed="rId3"/>
+          <a:stretch>
+            <a:fillRect/>
+          </a:stretch>
+        </p:blipFill>
+        <p:spPr>
+          <a:xfrm>
+            <a:off x="7242861" y="1825625"/>
+            <a:ext cx="4706620" cy="3279140"/>
+          </a:xfrm>
+          <a:prstGeom prst="rect">
+            <a:avLst/>
+          </a:prstGeom>
+        </p:spPr>
+      </p:pic>
+    </p:spTree>
+    <p:extLst>
+      <p:ext uri="{BB962C8B-B14F-4D97-AF65-F5344CB8AC3E}">
+        <p14:creationId xmlns:p14="http://schemas.microsoft.com/office/powerpoint/2010/main" val="552359213"/>
+      </p:ext>
+    </p:extLst>
+  </p:cSld>
+  <p:clrMapOvr>
+    <a:masterClrMapping/>
+  </p:clrMapOvr>
+</p:sld>
+</file>
+
+<file path=ppt/slides/slide17.xml><?xml version="1.0" encoding="utf-8"?>
+<p:sld xmlns:a="http://schemas.openxmlformats.org/drawingml/2006/main" xmlns:r="http://schemas.openxmlformats.org/officeDocument/2006/relationships" xmlns:p="http://schemas.openxmlformats.org/presentationml/2006/main">
+  <p:cSld>
+    <p:spTree>
+      <p:nvGrpSpPr>
+        <p:cNvPr id="1" name=""/>
+        <p:cNvGrpSpPr/>
+        <p:nvPr/>
+      </p:nvGrpSpPr>
+      <p:grpSpPr>
+        <a:xfrm>
+          <a:off x="0" y="0"/>
+          <a:ext cx="0" cy="0"/>
+          <a:chOff x="0" y="0"/>
+          <a:chExt cx="0" cy="0"/>
+        </a:xfrm>
+      </p:grpSpPr>
+      <p:sp>
+        <p:nvSpPr>
+          <p:cNvPr id="2" name="Title 1"/>
+          <p:cNvSpPr>
+            <a:spLocks noGrp="1"/>
+          </p:cNvSpPr>
+          <p:nvPr>
+            <p:ph type="title"/>
+          </p:nvPr>
+        </p:nvSpPr>
+        <p:spPr/>
+        <p:txBody>
+          <a:bodyPr/>
+          <a:lstStyle/>
+          <a:p>
+            <a:r>
+              <a:rPr lang="tr-TR" dirty="0" smtClean="0"/>
+              <a:t>Path following</a:t>
+            </a:r>
+            <a:endParaRPr lang="en-US" dirty="0"/>
+          </a:p>
+        </p:txBody>
+      </p:sp>
+      <p:sp>
+        <p:nvSpPr>
+          <p:cNvPr id="3" name="Content Placeholder 2"/>
+          <p:cNvSpPr>
+            <a:spLocks noGrp="1"/>
+          </p:cNvSpPr>
+          <p:nvPr>
+            <p:ph idx="1"/>
+          </p:nvPr>
+        </p:nvSpPr>
+        <p:spPr/>
+        <p:txBody>
+          <a:bodyPr/>
+          <a:lstStyle/>
+          <a:p>
+            <a:r>
+              <a:rPr lang="tr-TR" dirty="0" smtClean="0"/>
+              <a:t>Path generated for bandeneon playing</a:t>
+            </a:r>
+            <a:endParaRPr lang="en-US" dirty="0"/>
+          </a:p>
+        </p:txBody>
+      </p:sp>
+      <p:pic>
+        <p:nvPicPr>
+          <p:cNvPr id="4" name="Picture 3"/>
+          <p:cNvPicPr/>
+          <p:nvPr/>
+        </p:nvPicPr>
+        <p:blipFill>
+          <a:blip r:embed="rId2"/>
+          <a:stretch>
+            <a:fillRect/>
+          </a:stretch>
+        </p:blipFill>
+        <p:spPr>
+          <a:xfrm>
+            <a:off x="7672388" y="1496991"/>
+            <a:ext cx="3555786" cy="5008606"/>
+          </a:xfrm>
+          <a:prstGeom prst="rect">
+            <a:avLst/>
+          </a:prstGeom>
+        </p:spPr>
+      </p:pic>
+    </p:spTree>
+    <p:extLst>
+      <p:ext uri="{BB962C8B-B14F-4D97-AF65-F5344CB8AC3E}">
+        <p14:creationId xmlns:p14="http://schemas.microsoft.com/office/powerpoint/2010/main" val="2578519011"/>
+      </p:ext>
+    </p:extLst>
+  </p:cSld>
+  <p:clrMapOvr>
+    <a:masterClrMapping/>
+  </p:clrMapOvr>
+</p:sld>
+</file>
+
+<file path=ppt/slides/slide18.xml><?xml version="1.0" encoding="utf-8"?>
+<p:sld xmlns:a="http://schemas.openxmlformats.org/drawingml/2006/main" xmlns:r="http://schemas.openxmlformats.org/officeDocument/2006/relationships" xmlns:p="http://schemas.openxmlformats.org/presentationml/2006/main">
+  <p:cSld>
+    <p:spTree>
+      <p:nvGrpSpPr>
+        <p:cNvPr id="1" name=""/>
+        <p:cNvGrpSpPr/>
+        <p:nvPr/>
+      </p:nvGrpSpPr>
+      <p:grpSpPr>
+        <a:xfrm>
+          <a:off x="0" y="0"/>
+          <a:ext cx="0" cy="0"/>
+          <a:chOff x="0" y="0"/>
+          <a:chExt cx="0" cy="0"/>
+        </a:xfrm>
+      </p:grpSpPr>
+      <p:sp>
+        <p:nvSpPr>
+          <p:cNvPr id="2" name="Title 1"/>
+          <p:cNvSpPr>
+            <a:spLocks noGrp="1"/>
+          </p:cNvSpPr>
+          <p:nvPr>
+            <p:ph type="title"/>
+          </p:nvPr>
+        </p:nvSpPr>
+        <p:spPr/>
+        <p:txBody>
+          <a:bodyPr/>
+          <a:lstStyle/>
+          <a:p>
+            <a:r>
+              <a:rPr lang="tr-TR" dirty="0" smtClean="0"/>
+              <a:t>Resulting Outputs</a:t>
+            </a:r>
+            <a:endParaRPr lang="en-US" dirty="0"/>
+          </a:p>
+        </p:txBody>
+      </p:sp>
+      <p:pic>
+        <p:nvPicPr>
+          <p:cNvPr id="4" name="Content Placeholder 3"/>
+          <p:cNvPicPr>
+            <a:picLocks noGrp="1"/>
+          </p:cNvPicPr>
+          <p:nvPr>
+            <p:ph idx="1"/>
+          </p:nvPr>
+        </p:nvPicPr>
+        <p:blipFill>
+          <a:blip r:embed="rId2"/>
+          <a:stretch>
+            <a:fillRect/>
+          </a:stretch>
+        </p:blipFill>
+        <p:spPr>
+          <a:xfrm>
+            <a:off x="838201" y="1611441"/>
+            <a:ext cx="3733800" cy="2573381"/>
+          </a:xfrm>
+          <a:prstGeom prst="rect">
+            <a:avLst/>
+          </a:prstGeom>
+        </p:spPr>
+      </p:pic>
+      <p:pic>
+        <p:nvPicPr>
+          <p:cNvPr id="5" name="Picture 4"/>
+          <p:cNvPicPr/>
+          <p:nvPr/>
+        </p:nvPicPr>
+        <p:blipFill>
+          <a:blip r:embed="rId3"/>
+          <a:stretch>
+            <a:fillRect/>
+          </a:stretch>
+        </p:blipFill>
+        <p:spPr>
+          <a:xfrm>
+            <a:off x="4935744" y="1611439"/>
+            <a:ext cx="3084821" cy="2573381"/>
+          </a:xfrm>
+          <a:prstGeom prst="rect">
+            <a:avLst/>
+          </a:prstGeom>
+        </p:spPr>
+      </p:pic>
+      <p:pic>
+        <p:nvPicPr>
+          <p:cNvPr id="6" name="Picture 5"/>
+          <p:cNvPicPr/>
+          <p:nvPr/>
+        </p:nvPicPr>
+        <p:blipFill>
+          <a:blip r:embed="rId4"/>
+          <a:stretch>
+            <a:fillRect/>
+          </a:stretch>
+        </p:blipFill>
+        <p:spPr>
+          <a:xfrm>
+            <a:off x="8384308" y="1611440"/>
+            <a:ext cx="2969492" cy="2573381"/>
+          </a:xfrm>
+          <a:prstGeom prst="rect">
+            <a:avLst/>
+          </a:prstGeom>
+        </p:spPr>
+      </p:pic>
+      <p:sp>
+        <p:nvSpPr>
+          <p:cNvPr id="7" name="TextBox 6"/>
+          <p:cNvSpPr txBox="1"/>
+          <p:nvPr/>
+        </p:nvSpPr>
+        <p:spPr>
+          <a:xfrm>
+            <a:off x="5648068" y="4346830"/>
+            <a:ext cx="2372497" cy="369332"/>
+          </a:xfrm>
+          <a:prstGeom prst="rect">
+            <a:avLst/>
+          </a:prstGeom>
+          <a:noFill/>
+        </p:spPr>
+        <p:txBody>
+          <a:bodyPr wrap="square" rtlCol="0">
+            <a:spAutoFit/>
+          </a:bodyPr>
+          <a:lstStyle/>
+          <a:p>
+            <a:r>
+              <a:rPr lang="tr-TR" dirty="0" smtClean="0"/>
+              <a:t>Medium Period</a:t>
+            </a:r>
+            <a:endParaRPr lang="en-US" dirty="0"/>
+          </a:p>
+        </p:txBody>
+      </p:sp>
+      <p:sp>
+        <p:nvSpPr>
+          <p:cNvPr id="8" name="TextBox 7"/>
+          <p:cNvSpPr txBox="1"/>
+          <p:nvPr/>
+        </p:nvSpPr>
+        <p:spPr>
+          <a:xfrm>
+            <a:off x="2199504" y="4350949"/>
+            <a:ext cx="2372497" cy="369332"/>
+          </a:xfrm>
+          <a:prstGeom prst="rect">
+            <a:avLst/>
+          </a:prstGeom>
+          <a:noFill/>
+        </p:spPr>
+        <p:txBody>
+          <a:bodyPr wrap="square" rtlCol="0">
+            <a:spAutoFit/>
+          </a:bodyPr>
+          <a:lstStyle/>
+          <a:p>
+            <a:r>
+              <a:rPr lang="tr-TR" dirty="0" smtClean="0"/>
+              <a:t>High Period</a:t>
+            </a:r>
+            <a:endParaRPr lang="en-US" dirty="0"/>
+          </a:p>
+        </p:txBody>
+      </p:sp>
+      <p:sp>
+        <p:nvSpPr>
+          <p:cNvPr id="9" name="TextBox 8"/>
+          <p:cNvSpPr txBox="1"/>
+          <p:nvPr/>
+        </p:nvSpPr>
+        <p:spPr>
+          <a:xfrm>
+            <a:off x="8981303" y="4327606"/>
+            <a:ext cx="2372497" cy="369332"/>
+          </a:xfrm>
+          <a:prstGeom prst="rect">
+            <a:avLst/>
+          </a:prstGeom>
+          <a:noFill/>
+        </p:spPr>
+        <p:txBody>
+          <a:bodyPr wrap="square" rtlCol="0">
+            <a:spAutoFit/>
+          </a:bodyPr>
+          <a:lstStyle/>
+          <a:p>
+            <a:r>
+              <a:rPr lang="tr-TR" dirty="0" smtClean="0"/>
+              <a:t>Low Period</a:t>
+            </a:r>
+            <a:endParaRPr lang="en-US" dirty="0"/>
+          </a:p>
+        </p:txBody>
+      </p:sp>
+    </p:spTree>
+    <p:extLst>
+      <p:ext uri="{BB962C8B-B14F-4D97-AF65-F5344CB8AC3E}">
+        <p14:creationId xmlns:p14="http://schemas.microsoft.com/office/powerpoint/2010/main" val="2109364797"/>
+      </p:ext>
+    </p:extLst>
+  </p:cSld>
+  <p:clrMapOvr>
+    <a:masterClrMapping/>
+  </p:clrMapOvr>
+</p:sld>
+</file>
+
+<file path=ppt/slides/slide19.xml><?xml version="1.0" encoding="utf-8"?>
+<p:sld xmlns:a="http://schemas.openxmlformats.org/drawingml/2006/main" xmlns:r="http://schemas.openxmlformats.org/officeDocument/2006/relationships" xmlns:p="http://schemas.openxmlformats.org/presentationml/2006/main">
+  <p:cSld>
+    <p:spTree>
+      <p:nvGrpSpPr>
+        <p:cNvPr id="1" name=""/>
+        <p:cNvGrpSpPr/>
+        <p:nvPr/>
+      </p:nvGrpSpPr>
+      <p:grpSpPr>
+        <a:xfrm>
+          <a:off x="0" y="0"/>
+          <a:ext cx="0" cy="0"/>
+          <a:chOff x="0" y="0"/>
+          <a:chExt cx="0" cy="0"/>
+        </a:xfrm>
+      </p:grpSpPr>
+      <p:sp>
+        <p:nvSpPr>
+          <p:cNvPr id="2" name="Title 1"/>
+          <p:cNvSpPr>
+            <a:spLocks noGrp="1"/>
+          </p:cNvSpPr>
+          <p:nvPr>
+            <p:ph type="title"/>
+          </p:nvPr>
+        </p:nvSpPr>
+        <p:spPr/>
+        <p:txBody>
+          <a:bodyPr/>
+          <a:lstStyle/>
+          <a:p>
+            <a:r>
+              <a:rPr lang="tr-TR" dirty="0" smtClean="0"/>
+              <a:t>Simulation</a:t>
+            </a:r>
+            <a:endParaRPr lang="en-US" dirty="0"/>
+          </a:p>
+        </p:txBody>
+      </p:sp>
+      <p:sp>
+        <p:nvSpPr>
+          <p:cNvPr id="3" name="Content Placeholder 2"/>
+          <p:cNvSpPr>
+            <a:spLocks noGrp="1"/>
+          </p:cNvSpPr>
+          <p:nvPr>
+            <p:ph idx="1"/>
+          </p:nvPr>
+        </p:nvSpPr>
+        <p:spPr/>
+        <p:txBody>
+          <a:bodyPr/>
+          <a:lstStyle/>
+          <a:p>
+            <a:r>
+              <a:rPr lang="tr-TR" dirty="0" smtClean="0"/>
+              <a:t>I will take the questions after the simulation</a:t>
+            </a:r>
+            <a:br>
+              <a:rPr lang="tr-TR" dirty="0" smtClean="0"/>
+            </a:br>
+            <a:endParaRPr lang="tr-TR" dirty="0" smtClean="0"/>
+          </a:p>
+        </p:txBody>
+      </p:sp>
+    </p:spTree>
+    <p:extLst>
+      <p:ext uri="{BB962C8B-B14F-4D97-AF65-F5344CB8AC3E}">
+        <p14:creationId xmlns:p14="http://schemas.microsoft.com/office/powerpoint/2010/main" val="756513612"/>
+      </p:ext>
+    </p:extLst>
+  </p:cSld>
+  <p:clrMapOvr>
+    <a:masterClrMapping/>
+  </p:clrMapOvr>
+</p:sld>
+</file>
+
+<file path=ppt/slides/slide2.xml><?xml version="1.0" encoding="utf-8"?>
+<p:sld xmlns:a="http://schemas.openxmlformats.org/drawingml/2006/main" xmlns:r="http://schemas.openxmlformats.org/officeDocument/2006/relationships" xmlns:p="http://schemas.openxmlformats.org/presentationml/2006/main">
+  <p:cSld>
+    <p:spTree>
+      <p:nvGrpSpPr>
+        <p:cNvPr id="1" name=""/>
+        <p:cNvGrpSpPr/>
+        <p:nvPr/>
+      </p:nvGrpSpPr>
+      <p:grpSpPr>
+        <a:xfrm>
+          <a:off x="0" y="0"/>
+          <a:ext cx="0" cy="0"/>
+          <a:chOff x="0" y="0"/>
+          <a:chExt cx="0" cy="0"/>
+        </a:xfrm>
+      </p:grpSpPr>
+      <p:sp>
+        <p:nvSpPr>
+          <p:cNvPr id="2" name="Title 1"/>
+          <p:cNvSpPr>
+            <a:spLocks noGrp="1"/>
+          </p:cNvSpPr>
+          <p:nvPr>
+            <p:ph type="title"/>
+          </p:nvPr>
+        </p:nvSpPr>
+        <p:spPr/>
+        <p:txBody>
+          <a:bodyPr/>
+          <a:lstStyle/>
+          <a:p>
+            <a:r>
+              <a:rPr lang="tr-TR" dirty="0" smtClean="0"/>
+              <a:t>Purpose</a:t>
+            </a:r>
+            <a:endParaRPr lang="en-US" dirty="0"/>
+          </a:p>
+        </p:txBody>
+      </p:sp>
+      <p:sp>
+        <p:nvSpPr>
+          <p:cNvPr id="3" name="Content Placeholder 2"/>
+          <p:cNvSpPr>
+            <a:spLocks noGrp="1"/>
+          </p:cNvSpPr>
+          <p:nvPr>
+            <p:ph idx="1"/>
+          </p:nvPr>
+        </p:nvSpPr>
+        <p:spPr/>
+        <p:txBody>
+          <a:bodyPr/>
+          <a:lstStyle/>
+          <a:p>
+            <a:r>
+              <a:rPr lang="tr-TR" dirty="0" smtClean="0"/>
+              <a:t>2 Drones</a:t>
+            </a:r>
+            <a:r>
+              <a:rPr lang="tr-TR" dirty="0"/>
+              <a:t> </a:t>
+            </a:r>
+            <a:r>
+              <a:rPr lang="tr-TR" dirty="0" smtClean="0"/>
+              <a:t>Playing Bandeneon</a:t>
+            </a:r>
+          </a:p>
+        </p:txBody>
+      </p:sp>
+      <p:pic>
+        <p:nvPicPr>
+          <p:cNvPr id="4" name="Picture 3"/>
+          <p:cNvPicPr>
+            <a:picLocks noChangeAspect="1"/>
+          </p:cNvPicPr>
+          <p:nvPr/>
+        </p:nvPicPr>
+        <p:blipFill>
+          <a:blip r:embed="rId2">
+            <a:extLst>
+              <a:ext uri="{28A0092B-C50C-407E-A947-70E740481C1C}">
+                <a14:useLocalDpi xmlns:a14="http://schemas.microsoft.com/office/drawing/2010/main" val="0"/>
+              </a:ext>
+            </a:extLst>
+          </a:blip>
+          <a:stretch>
+            <a:fillRect/>
+          </a:stretch>
+        </p:blipFill>
+        <p:spPr>
+          <a:xfrm>
+            <a:off x="6236900" y="2522065"/>
+            <a:ext cx="4572000" cy="2571750"/>
+          </a:xfrm>
+          <a:prstGeom prst="rect">
+            <a:avLst/>
+          </a:prstGeom>
+        </p:spPr>
+      </p:pic>
+      <p:pic>
+        <p:nvPicPr>
+          <p:cNvPr id="5" name="Picture 4"/>
+          <p:cNvPicPr>
+            <a:picLocks noChangeAspect="1"/>
+          </p:cNvPicPr>
+          <p:nvPr/>
+        </p:nvPicPr>
+        <p:blipFill>
+          <a:blip r:embed="rId3">
+            <a:extLst>
+              <a:ext uri="{28A0092B-C50C-407E-A947-70E740481C1C}">
+                <a14:useLocalDpi xmlns:a14="http://schemas.microsoft.com/office/drawing/2010/main" val="0"/>
+              </a:ext>
+            </a:extLst>
+          </a:blip>
+          <a:stretch>
+            <a:fillRect/>
+          </a:stretch>
+        </p:blipFill>
+        <p:spPr>
+          <a:xfrm>
+            <a:off x="754238" y="2352987"/>
+            <a:ext cx="5111102" cy="2740828"/>
+          </a:xfrm>
+          <a:prstGeom prst="rect">
+            <a:avLst/>
+          </a:prstGeom>
+        </p:spPr>
+      </p:pic>
+    </p:spTree>
+    <p:extLst>
+      <p:ext uri="{BB962C8B-B14F-4D97-AF65-F5344CB8AC3E}">
+        <p14:creationId xmlns:p14="http://schemas.microsoft.com/office/powerpoint/2010/main" val="1680474211"/>
+      </p:ext>
+    </p:extLst>
+  </p:cSld>
+  <p:clrMapOvr>
+    <a:masterClrMapping/>
+  </p:clrMapOvr>
+</p:sld>
+</file>
+
+<file path=ppt/slides/slide20.xml><?xml version="1.0" encoding="utf-8"?>
+<p:sld xmlns:a="http://schemas.openxmlformats.org/drawingml/2006/main" xmlns:r="http://schemas.openxmlformats.org/officeDocument/2006/relationships" xmlns:p="http://schemas.openxmlformats.org/presentationml/2006/main">
+  <p:cSld>
+    <p:spTree>
+      <p:nvGrpSpPr>
+        <p:cNvPr id="1" name=""/>
+        <p:cNvGrpSpPr/>
+        <p:nvPr/>
+      </p:nvGrpSpPr>
+      <p:grpSpPr>
+        <a:xfrm>
+          <a:off x="0" y="0"/>
+          <a:ext cx="0" cy="0"/>
+          <a:chOff x="0" y="0"/>
+          <a:chExt cx="0" cy="0"/>
+        </a:xfrm>
+      </p:grpSpPr>
+      <p:sp>
+        <p:nvSpPr>
+          <p:cNvPr id="2" name="Title 1"/>
+          <p:cNvSpPr>
+            <a:spLocks noGrp="1"/>
+          </p:cNvSpPr>
+          <p:nvPr>
+            <p:ph type="title"/>
+          </p:nvPr>
+        </p:nvSpPr>
+        <p:spPr/>
+        <p:txBody>
+          <a:bodyPr/>
+          <a:lstStyle/>
+          <a:p>
+            <a:r>
+              <a:rPr lang="tr-TR" dirty="0" smtClean="0"/>
+              <a:t>Thanks </a:t>
+            </a:r>
+            <a:r>
+              <a:rPr lang="tr-TR" dirty="0" smtClean="0">
+                <a:sym typeface="Wingdings" panose="05000000000000000000" pitchFamily="2" charset="2"/>
+              </a:rPr>
+              <a:t></a:t>
+            </a:r>
+            <a:endParaRPr lang="en-US" dirty="0"/>
+          </a:p>
+        </p:txBody>
+      </p:sp>
+      <p:sp>
+        <p:nvSpPr>
+          <p:cNvPr id="3" name="Content Placeholder 2"/>
+          <p:cNvSpPr>
+            <a:spLocks noGrp="1"/>
+          </p:cNvSpPr>
+          <p:nvPr>
+            <p:ph idx="1"/>
+          </p:nvPr>
+        </p:nvSpPr>
+        <p:spPr/>
+        <p:txBody>
+          <a:bodyPr/>
+          <a:lstStyle/>
+          <a:p>
+            <a:r>
+              <a:rPr lang="tr-TR" dirty="0" smtClean="0"/>
+              <a:t>All files related to this project can be found in:</a:t>
+            </a:r>
+          </a:p>
+          <a:p>
+            <a:pPr lvl="1"/>
+            <a:r>
+              <a:rPr lang="en-US" smtClean="0">
+                <a:hlinkClick r:id="rId2"/>
+              </a:rPr>
+              <a:t>https://github.com/sysizlayan/EE587_2016Fall_Project_YigitSIZLAYAN_1876861/</a:t>
+            </a:r>
+            <a:endParaRPr lang="en-US" dirty="0"/>
+          </a:p>
+        </p:txBody>
+      </p:sp>
+    </p:spTree>
+    <p:extLst>
+      <p:ext uri="{BB962C8B-B14F-4D97-AF65-F5344CB8AC3E}">
+        <p14:creationId xmlns:p14="http://schemas.microsoft.com/office/powerpoint/2010/main" val="4102568097"/>
+      </p:ext>
+    </p:extLst>
+  </p:cSld>
+  <p:clrMapOvr>
+    <a:masterClrMapping/>
+  </p:clrMapOvr>
+</p:sld>
+</file>
+
+<file path=ppt/slides/slide3.xml><?xml version="1.0" encoding="utf-8"?>
+<p:sld xmlns:a="http://schemas.openxmlformats.org/drawingml/2006/main" xmlns:r="http://schemas.openxmlformats.org/officeDocument/2006/relationships" xmlns:p="http://schemas.openxmlformats.org/presentationml/2006/main">
+  <p:cSld>
+    <p:spTree>
+      <p:nvGrpSpPr>
+        <p:cNvPr id="1" name=""/>
+        <p:cNvGrpSpPr/>
+        <p:nvPr/>
+      </p:nvGrpSpPr>
+      <p:grpSpPr>
+        <a:xfrm>
+          <a:off x="0" y="0"/>
+          <a:ext cx="0" cy="0"/>
+          <a:chOff x="0" y="0"/>
+          <a:chExt cx="0" cy="0"/>
+        </a:xfrm>
+      </p:grpSpPr>
+      <p:sp>
+        <p:nvSpPr>
+          <p:cNvPr id="2" name="Title 1"/>
+          <p:cNvSpPr>
+            <a:spLocks noGrp="1"/>
+          </p:cNvSpPr>
+          <p:nvPr>
+            <p:ph type="title"/>
+          </p:nvPr>
+        </p:nvSpPr>
+        <p:spPr/>
+        <p:txBody>
+          <a:bodyPr/>
+          <a:lstStyle/>
+          <a:p>
+            <a:r>
+              <a:rPr lang="tr-TR" dirty="0" smtClean="0"/>
+              <a:t>Quadrotor Kinematics</a:t>
+            </a:r>
+            <a:endParaRPr lang="en-US" dirty="0"/>
+          </a:p>
+        </p:txBody>
+      </p:sp>
+      <p:sp>
+        <p:nvSpPr>
+          <p:cNvPr id="3" name="Content Placeholder 2"/>
+          <p:cNvSpPr>
+            <a:spLocks noGrp="1"/>
+          </p:cNvSpPr>
+          <p:nvPr>
+            <p:ph idx="1"/>
+          </p:nvPr>
+        </p:nvSpPr>
+        <p:spPr/>
+        <p:txBody>
+          <a:bodyPr/>
+          <a:lstStyle/>
+          <a:p>
+            <a:pPr lvl="0"/>
+            <a:r>
+              <a:rPr lang="tr-TR" dirty="0"/>
+              <a:t>The drones are </a:t>
+            </a:r>
+            <a:r>
+              <a:rPr lang="tr-TR" dirty="0" smtClean="0"/>
+              <a:t>classical</a:t>
+            </a:r>
+          </a:p>
+          <a:p>
+            <a:pPr lvl="1"/>
+            <a:r>
+              <a:rPr lang="tr-TR" dirty="0" smtClean="0"/>
+              <a:t>90 degree-quadrotors</a:t>
+            </a:r>
+          </a:p>
+          <a:p>
+            <a:pPr lvl="0"/>
+            <a:r>
+              <a:rPr lang="tr-TR" dirty="0"/>
+              <a:t>The </a:t>
+            </a:r>
+            <a:r>
+              <a:rPr lang="tr-TR" dirty="0" smtClean="0"/>
+              <a:t>bandeneon</a:t>
+            </a:r>
+            <a:endParaRPr lang="tr-TR" dirty="0"/>
+          </a:p>
+          <a:p>
+            <a:pPr lvl="1"/>
+            <a:r>
+              <a:rPr lang="tr-TR" dirty="0" smtClean="0"/>
+              <a:t>Modeled as 4 springs</a:t>
+            </a:r>
+          </a:p>
+          <a:p>
+            <a:pPr lvl="2"/>
+            <a:r>
+              <a:rPr lang="tr-TR" dirty="0" smtClean="0"/>
+              <a:t>connected to end of rods</a:t>
+            </a:r>
+            <a:endParaRPr lang="tr-TR" dirty="0"/>
+          </a:p>
+          <a:p>
+            <a:pPr lvl="1"/>
+            <a:endParaRPr lang="tr-TR" dirty="0"/>
+          </a:p>
+        </p:txBody>
+      </p:sp>
+      <p:pic>
+        <p:nvPicPr>
+          <p:cNvPr id="5" name="Picture 4"/>
+          <p:cNvPicPr/>
+          <p:nvPr/>
+        </p:nvPicPr>
+        <p:blipFill>
+          <a:blip r:embed="rId2">
+            <a:extLst>
+              <a:ext uri="{28A0092B-C50C-407E-A947-70E740481C1C}">
+                <a14:useLocalDpi xmlns:a14="http://schemas.microsoft.com/office/drawing/2010/main" val="0"/>
+              </a:ext>
+            </a:extLst>
+          </a:blip>
+          <a:stretch>
+            <a:fillRect/>
+          </a:stretch>
+        </p:blipFill>
+        <p:spPr>
+          <a:xfrm>
+            <a:off x="6802007" y="2059073"/>
+            <a:ext cx="3775377" cy="2488213"/>
+          </a:xfrm>
+          <a:prstGeom prst="rect">
+            <a:avLst/>
+          </a:prstGeom>
+        </p:spPr>
+      </p:pic>
+    </p:spTree>
+    <p:extLst>
+      <p:ext uri="{BB962C8B-B14F-4D97-AF65-F5344CB8AC3E}">
+        <p14:creationId xmlns:p14="http://schemas.microsoft.com/office/powerpoint/2010/main" val="2928365779"/>
+      </p:ext>
+    </p:extLst>
+  </p:cSld>
+  <p:clrMapOvr>
+    <a:masterClrMapping/>
+  </p:clrMapOvr>
+</p:sld>
+</file>
+
+<file path=ppt/slides/slide4.xml><?xml version="1.0" encoding="utf-8"?>
+<p:sld xmlns:a="http://schemas.openxmlformats.org/drawingml/2006/main" xmlns:r="http://schemas.openxmlformats.org/officeDocument/2006/relationships" xmlns:p="http://schemas.openxmlformats.org/presentationml/2006/main">
+  <p:cSld>
+    <p:spTree>
+      <p:nvGrpSpPr>
+        <p:cNvPr id="1" name=""/>
+        <p:cNvGrpSpPr/>
+        <p:nvPr/>
+      </p:nvGrpSpPr>
+      <p:grpSpPr>
+        <a:xfrm>
+          <a:off x="0" y="0"/>
+          <a:ext cx="0" cy="0"/>
+          <a:chOff x="0" y="0"/>
+          <a:chExt cx="0" cy="0"/>
+        </a:xfrm>
+      </p:grpSpPr>
+      <p:sp>
+        <p:nvSpPr>
+          <p:cNvPr id="2" name="Title 1"/>
+          <p:cNvSpPr>
+            <a:spLocks noGrp="1"/>
+          </p:cNvSpPr>
+          <p:nvPr>
+            <p:ph type="title"/>
+          </p:nvPr>
+        </p:nvSpPr>
+        <p:spPr/>
+        <p:txBody>
+          <a:bodyPr/>
+          <a:lstStyle/>
+          <a:p>
+            <a:r>
+              <a:rPr lang="tr-TR" dirty="0" smtClean="0"/>
+              <a:t>DH parameters</a:t>
+            </a:r>
+            <a:endParaRPr lang="en-US" dirty="0"/>
+          </a:p>
+        </p:txBody>
+      </p:sp>
+      <p:pic>
+        <p:nvPicPr>
+          <p:cNvPr id="4" name="Content Placeholder 3"/>
+          <p:cNvPicPr>
+            <a:picLocks noGrp="1" noChangeAspect="1"/>
+          </p:cNvPicPr>
+          <p:nvPr>
+            <p:ph idx="1"/>
+          </p:nvPr>
+        </p:nvPicPr>
+        <p:blipFill>
+          <a:blip r:embed="rId2"/>
+          <a:stretch>
+            <a:fillRect/>
+          </a:stretch>
+        </p:blipFill>
+        <p:spPr>
+          <a:xfrm>
+            <a:off x="838200" y="1623776"/>
+            <a:ext cx="7477125" cy="3305175"/>
+          </a:xfrm>
+          <a:prstGeom prst="rect">
+            <a:avLst/>
+          </a:prstGeom>
+        </p:spPr>
+      </p:pic>
+      <p:pic>
+        <p:nvPicPr>
+          <p:cNvPr id="5" name="Picture 4"/>
+          <p:cNvPicPr>
+            <a:picLocks noChangeAspect="1"/>
+          </p:cNvPicPr>
+          <p:nvPr/>
+        </p:nvPicPr>
+        <p:blipFill>
+          <a:blip r:embed="rId3"/>
+          <a:stretch>
+            <a:fillRect/>
+          </a:stretch>
+        </p:blipFill>
+        <p:spPr>
+          <a:xfrm>
+            <a:off x="6581775" y="5263677"/>
+            <a:ext cx="4772025" cy="923925"/>
+          </a:xfrm>
+          <a:prstGeom prst="rect">
+            <a:avLst/>
+          </a:prstGeom>
+        </p:spPr>
+      </p:pic>
+      <p:sp>
+        <p:nvSpPr>
+          <p:cNvPr id="6" name="TextBox 5"/>
+          <p:cNvSpPr txBox="1"/>
+          <p:nvPr/>
+        </p:nvSpPr>
+        <p:spPr>
+          <a:xfrm>
+            <a:off x="3589638" y="5540973"/>
+            <a:ext cx="2769973" cy="369332"/>
+          </a:xfrm>
+          <a:prstGeom prst="rect">
+            <a:avLst/>
+          </a:prstGeom>
+          <a:noFill/>
+        </p:spPr>
+        <p:txBody>
+          <a:bodyPr wrap="square" rtlCol="0">
+            <a:spAutoFit/>
+          </a:bodyPr>
+          <a:lstStyle/>
+          <a:p>
+            <a:r>
+              <a:rPr lang="tr-TR" dirty="0" smtClean="0"/>
+              <a:t>Resulting rotation matrix</a:t>
+            </a:r>
+            <a:r>
+              <a:rPr lang="tr-TR" dirty="0" smtClean="0">
+                <a:sym typeface="Wingdings" panose="05000000000000000000" pitchFamily="2" charset="2"/>
+              </a:rPr>
+              <a:t></a:t>
+            </a:r>
+            <a:endParaRPr lang="en-US" dirty="0"/>
+          </a:p>
+        </p:txBody>
+      </p:sp>
+    </p:spTree>
+    <p:extLst>
+      <p:ext uri="{BB962C8B-B14F-4D97-AF65-F5344CB8AC3E}">
+        <p14:creationId xmlns:p14="http://schemas.microsoft.com/office/powerpoint/2010/main" val="1780809372"/>
+      </p:ext>
+    </p:extLst>
+  </p:cSld>
+  <p:clrMapOvr>
+    <a:masterClrMapping/>
+  </p:clrMapOvr>
+</p:sld>
+</file>
+
+<file path=ppt/slides/slide5.xml><?xml version="1.0" encoding="utf-8"?>
+<p:sld xmlns:a="http://schemas.openxmlformats.org/drawingml/2006/main" xmlns:r="http://schemas.openxmlformats.org/officeDocument/2006/relationships" xmlns:p="http://schemas.openxmlformats.org/presentationml/2006/main">
+  <p:cSld>
+    <p:spTree>
+      <p:nvGrpSpPr>
+        <p:cNvPr id="1" name=""/>
+        <p:cNvGrpSpPr/>
+        <p:nvPr/>
+      </p:nvGrpSpPr>
+      <p:grpSpPr>
+        <a:xfrm>
+          <a:off x="0" y="0"/>
+          <a:ext cx="0" cy="0"/>
+          <a:chOff x="0" y="0"/>
+          <a:chExt cx="0" cy="0"/>
+        </a:xfrm>
+      </p:grpSpPr>
+      <p:sp>
+        <p:nvSpPr>
+          <p:cNvPr id="2" name="Title 1"/>
+          <p:cNvSpPr>
+            <a:spLocks noGrp="1"/>
+          </p:cNvSpPr>
+          <p:nvPr>
+            <p:ph type="title"/>
+          </p:nvPr>
+        </p:nvSpPr>
+        <p:spPr/>
+        <p:txBody>
+          <a:bodyPr/>
+          <a:lstStyle/>
+          <a:p>
+            <a:r>
+              <a:rPr lang="tr-TR" dirty="0" smtClean="0"/>
+              <a:t>Body </a:t>
+            </a:r>
+            <a:r>
+              <a:rPr lang="tr-TR" dirty="0" smtClean="0">
+                <a:sym typeface="Wingdings" panose="05000000000000000000" pitchFamily="2" charset="2"/>
+              </a:rPr>
+              <a:t></a:t>
+            </a:r>
+            <a:r>
+              <a:rPr lang="tr-TR" dirty="0" smtClean="0"/>
+              <a:t> World Rotation</a:t>
+            </a:r>
+            <a:endParaRPr lang="en-US" dirty="0"/>
+          </a:p>
+        </p:txBody>
+      </p:sp>
+      <p:pic>
+        <p:nvPicPr>
+          <p:cNvPr id="4" name="Content Placeholder 3"/>
+          <p:cNvPicPr>
+            <a:picLocks noGrp="1" noChangeAspect="1"/>
+          </p:cNvPicPr>
+          <p:nvPr>
+            <p:ph idx="1"/>
+          </p:nvPr>
+        </p:nvPicPr>
+        <p:blipFill>
+          <a:blip r:embed="rId2"/>
+          <a:stretch>
+            <a:fillRect/>
+          </a:stretch>
+        </p:blipFill>
+        <p:spPr>
+          <a:xfrm>
+            <a:off x="3824285" y="1901503"/>
+            <a:ext cx="4543425" cy="2962275"/>
+          </a:xfrm>
+          <a:prstGeom prst="rect">
+            <a:avLst/>
+          </a:prstGeom>
+        </p:spPr>
+      </p:pic>
+      <p:pic>
+        <p:nvPicPr>
+          <p:cNvPr id="5" name="Picture 4"/>
+          <p:cNvPicPr>
+            <a:picLocks noChangeAspect="1"/>
+          </p:cNvPicPr>
+          <p:nvPr/>
+        </p:nvPicPr>
+        <p:blipFill>
+          <a:blip r:embed="rId3"/>
+          <a:stretch>
+            <a:fillRect/>
+          </a:stretch>
+        </p:blipFill>
+        <p:spPr>
+          <a:xfrm>
+            <a:off x="3957636" y="5074594"/>
+            <a:ext cx="4276725" cy="1171575"/>
+          </a:xfrm>
+          <a:prstGeom prst="rect">
+            <a:avLst/>
+          </a:prstGeom>
+        </p:spPr>
+      </p:pic>
+    </p:spTree>
+    <p:extLst>
+      <p:ext uri="{BB962C8B-B14F-4D97-AF65-F5344CB8AC3E}">
+        <p14:creationId xmlns:p14="http://schemas.microsoft.com/office/powerpoint/2010/main" val="2291607623"/>
+      </p:ext>
+    </p:extLst>
+  </p:cSld>
+  <p:clrMapOvr>
+    <a:masterClrMapping/>
+  </p:clrMapOvr>
+</p:sld>
+</file>
+
+<file path=ppt/slides/slide6.xml><?xml version="1.0" encoding="utf-8"?>
+<p:sld xmlns:a="http://schemas.openxmlformats.org/drawingml/2006/main" xmlns:r="http://schemas.openxmlformats.org/officeDocument/2006/relationships" xmlns:p="http://schemas.openxmlformats.org/presentationml/2006/main">
+  <p:cSld>
+    <p:spTree>
+      <p:nvGrpSpPr>
+        <p:cNvPr id="1" name=""/>
+        <p:cNvGrpSpPr/>
+        <p:nvPr/>
+      </p:nvGrpSpPr>
+      <p:grpSpPr>
+        <a:xfrm>
+          <a:off x="0" y="0"/>
+          <a:ext cx="0" cy="0"/>
+          <a:chOff x="0" y="0"/>
+          <a:chExt cx="0" cy="0"/>
+        </a:xfrm>
+      </p:grpSpPr>
+      <p:sp>
+        <p:nvSpPr>
+          <p:cNvPr id="2" name="Title 1"/>
+          <p:cNvSpPr>
+            <a:spLocks noGrp="1"/>
+          </p:cNvSpPr>
+          <p:nvPr>
+            <p:ph type="title"/>
+          </p:nvPr>
+        </p:nvSpPr>
+        <p:spPr/>
+        <p:txBody>
+          <a:bodyPr/>
+          <a:lstStyle/>
+          <a:p>
+            <a:r>
+              <a:rPr lang="tr-TR" dirty="0" smtClean="0"/>
+              <a:t>Propeller locations</a:t>
+            </a:r>
+            <a:endParaRPr lang="en-US" dirty="0"/>
+          </a:p>
+        </p:txBody>
+      </p:sp>
+      <p:pic>
+        <p:nvPicPr>
+          <p:cNvPr id="4" name="Content Placeholder 3"/>
+          <p:cNvPicPr>
+            <a:picLocks noGrp="1" noChangeAspect="1"/>
+          </p:cNvPicPr>
+          <p:nvPr>
+            <p:ph idx="1"/>
+          </p:nvPr>
+        </p:nvPicPr>
+        <p:blipFill>
+          <a:blip r:embed="rId2"/>
+          <a:stretch>
+            <a:fillRect/>
+          </a:stretch>
+        </p:blipFill>
+        <p:spPr>
+          <a:xfrm>
+            <a:off x="3161270" y="1938359"/>
+            <a:ext cx="2486025" cy="1819275"/>
+          </a:xfrm>
+          <a:prstGeom prst="rect">
+            <a:avLst/>
+          </a:prstGeom>
+        </p:spPr>
+      </p:pic>
+      <p:sp>
+        <p:nvSpPr>
+          <p:cNvPr id="6" name="TextBox 5"/>
+          <p:cNvSpPr txBox="1"/>
+          <p:nvPr/>
+        </p:nvSpPr>
+        <p:spPr>
+          <a:xfrm>
+            <a:off x="5647295" y="2729341"/>
+            <a:ext cx="1054443" cy="369332"/>
+          </a:xfrm>
+          <a:prstGeom prst="rect">
+            <a:avLst/>
+          </a:prstGeom>
+          <a:noFill/>
+        </p:spPr>
+        <p:txBody>
+          <a:bodyPr wrap="square" rtlCol="0">
+            <a:spAutoFit/>
+          </a:bodyPr>
+          <a:lstStyle/>
+          <a:p>
+            <a:r>
+              <a:rPr lang="tr-TR" dirty="0" smtClean="0">
+                <a:sym typeface="Wingdings" panose="05000000000000000000" pitchFamily="2" charset="2"/>
+              </a:rPr>
+              <a:t></a:t>
+            </a:r>
+            <a:endParaRPr lang="en-US" dirty="0"/>
+          </a:p>
+        </p:txBody>
+      </p:sp>
+      <p:pic>
+        <p:nvPicPr>
+          <p:cNvPr id="7" name="Picture 6"/>
+          <p:cNvPicPr>
+            <a:picLocks noChangeAspect="1"/>
+          </p:cNvPicPr>
+          <p:nvPr/>
+        </p:nvPicPr>
+        <p:blipFill>
+          <a:blip r:embed="rId3"/>
+          <a:stretch>
+            <a:fillRect/>
+          </a:stretch>
+        </p:blipFill>
+        <p:spPr>
+          <a:xfrm>
+            <a:off x="6174516" y="2671783"/>
+            <a:ext cx="1762125" cy="352425"/>
+          </a:xfrm>
+          <a:prstGeom prst="rect">
+            <a:avLst/>
+          </a:prstGeom>
+        </p:spPr>
+      </p:pic>
+    </p:spTree>
+    <p:extLst>
+      <p:ext uri="{BB962C8B-B14F-4D97-AF65-F5344CB8AC3E}">
+        <p14:creationId xmlns:p14="http://schemas.microsoft.com/office/powerpoint/2010/main" val="692271135"/>
+      </p:ext>
+    </p:extLst>
+  </p:cSld>
+  <p:clrMapOvr>
+    <a:masterClrMapping/>
+  </p:clrMapOvr>
+</p:sld>
+</file>
+
+<file path=ppt/slides/slide7.xml><?xml version="1.0" encoding="utf-8"?>
+<p:sld xmlns:a="http://schemas.openxmlformats.org/drawingml/2006/main" xmlns:r="http://schemas.openxmlformats.org/officeDocument/2006/relationships" xmlns:p="http://schemas.openxmlformats.org/presentationml/2006/main">
+  <p:cSld>
+    <p:spTree>
+      <p:nvGrpSpPr>
+        <p:cNvPr id="1" name=""/>
+        <p:cNvGrpSpPr/>
+        <p:nvPr/>
+      </p:nvGrpSpPr>
+      <p:grpSpPr>
+        <a:xfrm>
+          <a:off x="0" y="0"/>
+          <a:ext cx="0" cy="0"/>
+          <a:chOff x="0" y="0"/>
+          <a:chExt cx="0" cy="0"/>
+        </a:xfrm>
+      </p:grpSpPr>
+      <p:sp>
+        <p:nvSpPr>
+          <p:cNvPr id="2" name="Title 1"/>
+          <p:cNvSpPr>
+            <a:spLocks noGrp="1"/>
+          </p:cNvSpPr>
+          <p:nvPr>
+            <p:ph type="title"/>
+          </p:nvPr>
+        </p:nvSpPr>
+        <p:spPr/>
+        <p:txBody>
+          <a:bodyPr/>
+          <a:lstStyle/>
+          <a:p>
+            <a:r>
+              <a:rPr lang="tr-TR" dirty="0" smtClean="0"/>
+              <a:t>Dynamics-&gt; Lagrangian</a:t>
+            </a:r>
+            <a:endParaRPr lang="en-US" dirty="0"/>
+          </a:p>
+        </p:txBody>
+      </p:sp>
+      <p:pic>
+        <p:nvPicPr>
+          <p:cNvPr id="4" name="Content Placeholder 3"/>
+          <p:cNvPicPr>
+            <a:picLocks noGrp="1" noChangeAspect="1"/>
+          </p:cNvPicPr>
+          <p:nvPr>
+            <p:ph idx="1"/>
+          </p:nvPr>
+        </p:nvPicPr>
+        <p:blipFill>
+          <a:blip r:embed="rId2"/>
+          <a:stretch>
+            <a:fillRect/>
+          </a:stretch>
+        </p:blipFill>
+        <p:spPr>
+          <a:xfrm>
+            <a:off x="4033837" y="1789048"/>
+            <a:ext cx="4124325" cy="1590675"/>
+          </a:xfrm>
+          <a:prstGeom prst="rect">
+            <a:avLst/>
+          </a:prstGeom>
+        </p:spPr>
+      </p:pic>
+      <p:pic>
+        <p:nvPicPr>
+          <p:cNvPr id="5" name="Picture 4"/>
+          <p:cNvPicPr>
+            <a:picLocks noChangeAspect="1"/>
+          </p:cNvPicPr>
+          <p:nvPr/>
+        </p:nvPicPr>
+        <p:blipFill>
+          <a:blip r:embed="rId3"/>
+          <a:stretch>
+            <a:fillRect/>
+          </a:stretch>
+        </p:blipFill>
+        <p:spPr>
+          <a:xfrm>
+            <a:off x="2422309" y="3754828"/>
+            <a:ext cx="2371725" cy="1076325"/>
+          </a:xfrm>
+          <a:prstGeom prst="rect">
+            <a:avLst/>
+          </a:prstGeom>
+        </p:spPr>
+      </p:pic>
+      <p:sp>
+        <p:nvSpPr>
+          <p:cNvPr id="6" name="TextBox 5"/>
+          <p:cNvSpPr txBox="1"/>
+          <p:nvPr/>
+        </p:nvSpPr>
+        <p:spPr>
+          <a:xfrm>
+            <a:off x="165142" y="3754828"/>
+            <a:ext cx="2520393" cy="369332"/>
+          </a:xfrm>
+          <a:prstGeom prst="rect">
+            <a:avLst/>
+          </a:prstGeom>
+          <a:noFill/>
+        </p:spPr>
+        <p:txBody>
+          <a:bodyPr wrap="square" rtlCol="0">
+            <a:spAutoFit/>
+          </a:bodyPr>
+          <a:lstStyle/>
+          <a:p>
+            <a:r>
+              <a:rPr lang="tr-TR" dirty="0" smtClean="0"/>
+              <a:t>Rotational Jacobian </a:t>
+            </a:r>
+            <a:r>
+              <a:rPr lang="tr-TR" dirty="0" smtClean="0">
+                <a:sym typeface="Wingdings" panose="05000000000000000000" pitchFamily="2" charset="2"/>
+              </a:rPr>
+              <a:t></a:t>
+            </a:r>
+            <a:endParaRPr lang="en-US" dirty="0"/>
+          </a:p>
+        </p:txBody>
+      </p:sp>
+      <p:pic>
+        <p:nvPicPr>
+          <p:cNvPr id="7" name="Picture 6"/>
+          <p:cNvPicPr>
+            <a:picLocks noChangeAspect="1"/>
+          </p:cNvPicPr>
+          <p:nvPr/>
+        </p:nvPicPr>
+        <p:blipFill>
+          <a:blip r:embed="rId4"/>
+          <a:stretch>
+            <a:fillRect/>
+          </a:stretch>
+        </p:blipFill>
+        <p:spPr>
+          <a:xfrm>
+            <a:off x="7859284" y="3754828"/>
+            <a:ext cx="2143125" cy="981075"/>
+          </a:xfrm>
+          <a:prstGeom prst="rect">
+            <a:avLst/>
+          </a:prstGeom>
+        </p:spPr>
+      </p:pic>
+      <p:sp>
+        <p:nvSpPr>
+          <p:cNvPr id="8" name="TextBox 7"/>
+          <p:cNvSpPr txBox="1"/>
+          <p:nvPr/>
+        </p:nvSpPr>
+        <p:spPr>
+          <a:xfrm>
+            <a:off x="5552690" y="3754828"/>
+            <a:ext cx="2306594" cy="369332"/>
+          </a:xfrm>
+          <a:prstGeom prst="rect">
+            <a:avLst/>
+          </a:prstGeom>
+          <a:noFill/>
+        </p:spPr>
+        <p:txBody>
+          <a:bodyPr wrap="square" rtlCol="0">
+            <a:spAutoFit/>
+          </a:bodyPr>
+          <a:lstStyle/>
+          <a:p>
+            <a:r>
+              <a:rPr lang="tr-TR" dirty="0" smtClean="0"/>
+              <a:t>Rotational Speed</a:t>
+            </a:r>
+            <a:r>
+              <a:rPr lang="tr-TR" dirty="0" smtClean="0">
+                <a:sym typeface="Wingdings" panose="05000000000000000000" pitchFamily="2" charset="2"/>
+              </a:rPr>
+              <a:t></a:t>
+            </a:r>
+            <a:endParaRPr lang="en-US" dirty="0"/>
+          </a:p>
+        </p:txBody>
+      </p:sp>
+      <p:pic>
+        <p:nvPicPr>
+          <p:cNvPr id="9" name="Picture 8"/>
+          <p:cNvPicPr>
+            <a:picLocks noChangeAspect="1"/>
+          </p:cNvPicPr>
+          <p:nvPr/>
+        </p:nvPicPr>
+        <p:blipFill>
+          <a:blip r:embed="rId5"/>
+          <a:stretch>
+            <a:fillRect/>
+          </a:stretch>
+        </p:blipFill>
+        <p:spPr>
+          <a:xfrm>
+            <a:off x="2422309" y="5206258"/>
+            <a:ext cx="1990725" cy="790575"/>
+          </a:xfrm>
+          <a:prstGeom prst="rect">
+            <a:avLst/>
+          </a:prstGeom>
+        </p:spPr>
+      </p:pic>
+      <p:sp>
+        <p:nvSpPr>
+          <p:cNvPr id="10" name="TextBox 9"/>
+          <p:cNvSpPr txBox="1"/>
+          <p:nvPr/>
+        </p:nvSpPr>
+        <p:spPr>
+          <a:xfrm>
+            <a:off x="699186" y="5416879"/>
+            <a:ext cx="2056756" cy="369332"/>
+          </a:xfrm>
+          <a:prstGeom prst="rect">
+            <a:avLst/>
+          </a:prstGeom>
+          <a:noFill/>
+        </p:spPr>
+        <p:txBody>
+          <a:bodyPr wrap="square" rtlCol="0">
+            <a:spAutoFit/>
+          </a:bodyPr>
+          <a:lstStyle/>
+          <a:p>
+            <a:r>
+              <a:rPr lang="tr-TR" dirty="0" smtClean="0"/>
+              <a:t>Inertia tensor</a:t>
+            </a:r>
+            <a:r>
+              <a:rPr lang="tr-TR" dirty="0" smtClean="0">
+                <a:sym typeface="Wingdings" panose="05000000000000000000" pitchFamily="2" charset="2"/>
+              </a:rPr>
+              <a:t></a:t>
+            </a:r>
+            <a:endParaRPr lang="en-US" dirty="0"/>
+          </a:p>
+        </p:txBody>
+      </p:sp>
+      <p:pic>
+        <p:nvPicPr>
+          <p:cNvPr id="11" name="Picture 10"/>
+          <p:cNvPicPr>
+            <a:picLocks noChangeAspect="1"/>
+          </p:cNvPicPr>
+          <p:nvPr/>
+        </p:nvPicPr>
+        <p:blipFill>
+          <a:blip r:embed="rId6"/>
+          <a:stretch>
+            <a:fillRect/>
+          </a:stretch>
+        </p:blipFill>
+        <p:spPr>
+          <a:xfrm>
+            <a:off x="7611633" y="5357586"/>
+            <a:ext cx="2638425" cy="428625"/>
+          </a:xfrm>
+          <a:prstGeom prst="rect">
+            <a:avLst/>
+          </a:prstGeom>
+        </p:spPr>
+      </p:pic>
+      <p:sp>
+        <p:nvSpPr>
+          <p:cNvPr id="12" name="TextBox 11"/>
+          <p:cNvSpPr txBox="1"/>
+          <p:nvPr/>
+        </p:nvSpPr>
+        <p:spPr>
+          <a:xfrm>
+            <a:off x="4794034" y="5387232"/>
+            <a:ext cx="3459891" cy="369332"/>
+          </a:xfrm>
+          <a:prstGeom prst="rect">
+            <a:avLst/>
+          </a:prstGeom>
+          <a:noFill/>
+        </p:spPr>
+        <p:txBody>
+          <a:bodyPr wrap="square" rtlCol="0">
+            <a:spAutoFit/>
+          </a:bodyPr>
+          <a:lstStyle/>
+          <a:p>
+            <a:r>
+              <a:rPr lang="tr-TR" dirty="0" smtClean="0"/>
+              <a:t>Rotational Kinetic Energy</a:t>
+            </a:r>
+            <a:r>
+              <a:rPr lang="tr-TR" dirty="0" smtClean="0">
+                <a:sym typeface="Wingdings" panose="05000000000000000000" pitchFamily="2" charset="2"/>
+              </a:rPr>
+              <a:t></a:t>
+            </a:r>
+            <a:endParaRPr lang="en-US" dirty="0"/>
+          </a:p>
+        </p:txBody>
+      </p:sp>
+    </p:spTree>
+    <p:extLst>
+      <p:ext uri="{BB962C8B-B14F-4D97-AF65-F5344CB8AC3E}">
+        <p14:creationId xmlns:p14="http://schemas.microsoft.com/office/powerpoint/2010/main" val="501385189"/>
+      </p:ext>
+    </p:extLst>
+  </p:cSld>
+  <p:clrMapOvr>
+    <a:masterClrMapping/>
+  </p:clrMapOvr>
+</p:sld>
+</file>
+
+<file path=ppt/slides/slide8.xml><?xml version="1.0" encoding="utf-8"?>
+<p:sld xmlns:a="http://schemas.openxmlformats.org/drawingml/2006/main" xmlns:r="http://schemas.openxmlformats.org/officeDocument/2006/relationships" xmlns:p="http://schemas.openxmlformats.org/presentationml/2006/main">
+  <p:cSld>
+    <p:spTree>
+      <p:nvGrpSpPr>
+        <p:cNvPr id="1" name=""/>
+        <p:cNvGrpSpPr/>
+        <p:nvPr/>
+      </p:nvGrpSpPr>
+      <p:grpSpPr>
+        <a:xfrm>
+          <a:off x="0" y="0"/>
+          <a:ext cx="0" cy="0"/>
+          <a:chOff x="0" y="0"/>
+          <a:chExt cx="0" cy="0"/>
+        </a:xfrm>
+      </p:grpSpPr>
+      <p:sp>
+        <p:nvSpPr>
+          <p:cNvPr id="2" name="Title 1"/>
+          <p:cNvSpPr>
+            <a:spLocks noGrp="1"/>
+          </p:cNvSpPr>
+          <p:nvPr>
+            <p:ph type="title"/>
+          </p:nvPr>
+        </p:nvSpPr>
+        <p:spPr/>
+        <p:txBody>
+          <a:bodyPr/>
+          <a:lstStyle/>
+          <a:p>
+            <a:r>
+              <a:rPr lang="tr-TR" dirty="0" smtClean="0"/>
+              <a:t>Forces and Torques</a:t>
+            </a:r>
+            <a:endParaRPr lang="en-US" dirty="0"/>
+          </a:p>
+        </p:txBody>
+      </p:sp>
+      <p:pic>
+        <p:nvPicPr>
+          <p:cNvPr id="4" name="Content Placeholder 3"/>
+          <p:cNvPicPr>
+            <a:picLocks noGrp="1" noChangeAspect="1"/>
+          </p:cNvPicPr>
+          <p:nvPr>
+            <p:ph idx="1"/>
+          </p:nvPr>
+        </p:nvPicPr>
+        <p:blipFill>
+          <a:blip r:embed="rId3"/>
+          <a:stretch>
+            <a:fillRect/>
+          </a:stretch>
+        </p:blipFill>
+        <p:spPr>
+          <a:xfrm>
+            <a:off x="2431792" y="1690688"/>
+            <a:ext cx="2371725" cy="733425"/>
+          </a:xfrm>
+          <a:prstGeom prst="rect">
+            <a:avLst/>
+          </a:prstGeom>
+        </p:spPr>
+      </p:pic>
+      <p:sp>
+        <p:nvSpPr>
+          <p:cNvPr id="5" name="TextBox 4"/>
+          <p:cNvSpPr txBox="1"/>
+          <p:nvPr/>
+        </p:nvSpPr>
+        <p:spPr>
+          <a:xfrm>
+            <a:off x="586516" y="1872734"/>
+            <a:ext cx="1845276" cy="369332"/>
+          </a:xfrm>
+          <a:prstGeom prst="rect">
+            <a:avLst/>
+          </a:prstGeom>
+          <a:noFill/>
+        </p:spPr>
+        <p:txBody>
+          <a:bodyPr wrap="square" rtlCol="0">
+            <a:spAutoFit/>
+          </a:bodyPr>
+          <a:lstStyle/>
+          <a:p>
+            <a:r>
+              <a:rPr lang="tr-TR" dirty="0" smtClean="0"/>
+              <a:t>Motor Thrusts</a:t>
+            </a:r>
+            <a:r>
+              <a:rPr lang="tr-TR" dirty="0" smtClean="0">
+                <a:sym typeface="Wingdings" panose="05000000000000000000" pitchFamily="2" charset="2"/>
+              </a:rPr>
+              <a:t></a:t>
+            </a:r>
+            <a:endParaRPr lang="en-US" dirty="0"/>
+          </a:p>
+        </p:txBody>
+      </p:sp>
+      <p:pic>
+        <p:nvPicPr>
+          <p:cNvPr id="6" name="Picture 5"/>
+          <p:cNvPicPr>
+            <a:picLocks noChangeAspect="1"/>
+          </p:cNvPicPr>
+          <p:nvPr/>
+        </p:nvPicPr>
+        <p:blipFill>
+          <a:blip r:embed="rId4"/>
+          <a:stretch>
+            <a:fillRect/>
+          </a:stretch>
+        </p:blipFill>
+        <p:spPr>
+          <a:xfrm>
+            <a:off x="2431792" y="2614247"/>
+            <a:ext cx="5534025" cy="752475"/>
+          </a:xfrm>
+          <a:prstGeom prst="rect">
+            <a:avLst/>
+          </a:prstGeom>
+        </p:spPr>
+      </p:pic>
+      <p:sp>
+        <p:nvSpPr>
+          <p:cNvPr id="7" name="TextBox 6"/>
+          <p:cNvSpPr txBox="1"/>
+          <p:nvPr/>
+        </p:nvSpPr>
+        <p:spPr>
+          <a:xfrm>
+            <a:off x="1153298" y="2796293"/>
+            <a:ext cx="2075935" cy="369332"/>
+          </a:xfrm>
+          <a:prstGeom prst="rect">
+            <a:avLst/>
+          </a:prstGeom>
+          <a:noFill/>
+        </p:spPr>
+        <p:txBody>
+          <a:bodyPr wrap="square" rtlCol="0">
+            <a:spAutoFit/>
+          </a:bodyPr>
+          <a:lstStyle/>
+          <a:p>
+            <a:r>
+              <a:rPr lang="tr-TR" dirty="0" smtClean="0"/>
+              <a:t>Torques</a:t>
+            </a:r>
+            <a:r>
+              <a:rPr lang="tr-TR" dirty="0" smtClean="0">
+                <a:sym typeface="Wingdings" panose="05000000000000000000" pitchFamily="2" charset="2"/>
+              </a:rPr>
+              <a:t></a:t>
+            </a:r>
+            <a:endParaRPr lang="en-US" dirty="0"/>
+          </a:p>
+        </p:txBody>
+      </p:sp>
+      <p:pic>
+        <p:nvPicPr>
+          <p:cNvPr id="8" name="Picture 7"/>
+          <p:cNvPicPr>
+            <a:picLocks noChangeAspect="1"/>
+          </p:cNvPicPr>
+          <p:nvPr/>
+        </p:nvPicPr>
+        <p:blipFill>
+          <a:blip r:embed="rId5"/>
+          <a:stretch>
+            <a:fillRect/>
+          </a:stretch>
+        </p:blipFill>
+        <p:spPr>
+          <a:xfrm>
+            <a:off x="2394678" y="3656869"/>
+            <a:ext cx="3767225" cy="1020450"/>
+          </a:xfrm>
+          <a:prstGeom prst="rect">
+            <a:avLst/>
+          </a:prstGeom>
+        </p:spPr>
+      </p:pic>
+      <p:sp>
+        <p:nvSpPr>
+          <p:cNvPr id="9" name="TextBox 8"/>
+          <p:cNvSpPr txBox="1"/>
+          <p:nvPr/>
+        </p:nvSpPr>
+        <p:spPr>
+          <a:xfrm>
+            <a:off x="669688" y="3986301"/>
+            <a:ext cx="1896762" cy="369332"/>
+          </a:xfrm>
+          <a:prstGeom prst="rect">
+            <a:avLst/>
+          </a:prstGeom>
+          <a:noFill/>
+        </p:spPr>
+        <p:txBody>
+          <a:bodyPr wrap="square" rtlCol="0">
+            <a:spAutoFit/>
+          </a:bodyPr>
+          <a:lstStyle/>
+          <a:p>
+            <a:r>
+              <a:rPr lang="tr-TR" dirty="0" smtClean="0"/>
+              <a:t>Spring Forces</a:t>
+            </a:r>
+            <a:r>
+              <a:rPr lang="tr-TR" dirty="0" smtClean="0">
+                <a:sym typeface="Wingdings" panose="05000000000000000000" pitchFamily="2" charset="2"/>
+              </a:rPr>
+              <a:t></a:t>
+            </a:r>
+            <a:endParaRPr lang="en-US" dirty="0"/>
+          </a:p>
+        </p:txBody>
+      </p:sp>
+      <p:pic>
+        <p:nvPicPr>
+          <p:cNvPr id="10" name="Picture 9"/>
+          <p:cNvPicPr>
+            <a:picLocks noChangeAspect="1"/>
+          </p:cNvPicPr>
+          <p:nvPr/>
+        </p:nvPicPr>
+        <p:blipFill>
+          <a:blip r:embed="rId6"/>
+          <a:stretch>
+            <a:fillRect/>
+          </a:stretch>
+        </p:blipFill>
+        <p:spPr>
+          <a:xfrm>
+            <a:off x="2394678" y="5228425"/>
+            <a:ext cx="4371975" cy="1323975"/>
+          </a:xfrm>
+          <a:prstGeom prst="rect">
+            <a:avLst/>
+          </a:prstGeom>
+        </p:spPr>
+      </p:pic>
+      <p:sp>
+        <p:nvSpPr>
+          <p:cNvPr id="11" name="TextBox 10"/>
+          <p:cNvSpPr txBox="1"/>
+          <p:nvPr/>
+        </p:nvSpPr>
+        <p:spPr>
+          <a:xfrm>
+            <a:off x="451858" y="5705746"/>
+            <a:ext cx="2114592" cy="369332"/>
+          </a:xfrm>
+          <a:prstGeom prst="rect">
+            <a:avLst/>
+          </a:prstGeom>
+          <a:noFill/>
+        </p:spPr>
+        <p:txBody>
+          <a:bodyPr wrap="square" rtlCol="0">
+            <a:spAutoFit/>
+          </a:bodyPr>
+          <a:lstStyle/>
+          <a:p>
+            <a:r>
+              <a:rPr lang="tr-TR" dirty="0" smtClean="0"/>
+              <a:t>Spring potentials</a:t>
+            </a:r>
+            <a:r>
+              <a:rPr lang="tr-TR" dirty="0" smtClean="0">
+                <a:sym typeface="Wingdings" panose="05000000000000000000" pitchFamily="2" charset="2"/>
+              </a:rPr>
+              <a:t></a:t>
+            </a:r>
+            <a:endParaRPr lang="en-US" dirty="0"/>
+          </a:p>
+        </p:txBody>
+      </p:sp>
+      <p:pic>
+        <p:nvPicPr>
+          <p:cNvPr id="12" name="Picture 11"/>
+          <p:cNvPicPr>
+            <a:picLocks noChangeAspect="1"/>
+          </p:cNvPicPr>
+          <p:nvPr/>
+        </p:nvPicPr>
+        <p:blipFill>
+          <a:blip r:embed="rId7"/>
+          <a:stretch>
+            <a:fillRect/>
+          </a:stretch>
+        </p:blipFill>
+        <p:spPr>
+          <a:xfrm>
+            <a:off x="6766653" y="4017495"/>
+            <a:ext cx="4752975" cy="676275"/>
+          </a:xfrm>
+          <a:prstGeom prst="rect">
+            <a:avLst/>
+          </a:prstGeom>
+        </p:spPr>
+      </p:pic>
+      <p:sp>
+        <p:nvSpPr>
+          <p:cNvPr id="13" name="TextBox 12"/>
+          <p:cNvSpPr txBox="1"/>
+          <p:nvPr/>
+        </p:nvSpPr>
+        <p:spPr>
+          <a:xfrm>
+            <a:off x="6766653" y="3633376"/>
+            <a:ext cx="3979562" cy="369332"/>
+          </a:xfrm>
+          <a:prstGeom prst="rect">
+            <a:avLst/>
+          </a:prstGeom>
+          <a:noFill/>
+        </p:spPr>
+        <p:txBody>
+          <a:bodyPr wrap="square" rtlCol="0">
+            <a:spAutoFit/>
+          </a:bodyPr>
+          <a:lstStyle/>
+          <a:p>
+            <a:r>
+              <a:rPr lang="tr-TR" dirty="0" smtClean="0"/>
+              <a:t>Total pulling force with simplified spring</a:t>
+            </a:r>
+            <a:endParaRPr lang="en-US" dirty="0"/>
+          </a:p>
+        </p:txBody>
+      </p:sp>
+      <p:sp>
+        <p:nvSpPr>
+          <p:cNvPr id="14" name="TextBox 13"/>
+          <p:cNvSpPr txBox="1"/>
+          <p:nvPr/>
+        </p:nvSpPr>
+        <p:spPr>
+          <a:xfrm>
+            <a:off x="6274808" y="4061569"/>
+            <a:ext cx="378940" cy="369332"/>
+          </a:xfrm>
+          <a:prstGeom prst="rect">
+            <a:avLst/>
+          </a:prstGeom>
+          <a:noFill/>
+        </p:spPr>
+        <p:txBody>
+          <a:bodyPr wrap="square" rtlCol="0">
+            <a:spAutoFit/>
+          </a:bodyPr>
+          <a:lstStyle/>
+          <a:p>
+            <a:r>
+              <a:rPr lang="tr-TR" dirty="0" smtClean="0">
+                <a:sym typeface="Wingdings" panose="05000000000000000000" pitchFamily="2" charset="2"/>
+              </a:rPr>
+              <a:t></a:t>
+            </a:r>
+            <a:endParaRPr lang="en-US" dirty="0"/>
+          </a:p>
+        </p:txBody>
+      </p:sp>
+      <p:sp>
+        <p:nvSpPr>
+          <p:cNvPr id="15" name="TextBox 14"/>
+          <p:cNvSpPr txBox="1"/>
+          <p:nvPr/>
+        </p:nvSpPr>
+        <p:spPr>
+          <a:xfrm rot="19978212">
+            <a:off x="6486113" y="4768207"/>
+            <a:ext cx="1136822" cy="369332"/>
+          </a:xfrm>
+          <a:prstGeom prst="rect">
+            <a:avLst/>
+          </a:prstGeom>
+          <a:noFill/>
+        </p:spPr>
+        <p:txBody>
+          <a:bodyPr wrap="square" rtlCol="0">
+            <a:spAutoFit/>
+          </a:bodyPr>
+          <a:lstStyle/>
+          <a:p>
+            <a:r>
+              <a:rPr lang="tr-TR" dirty="0" smtClean="0">
+                <a:sym typeface="Wingdings" panose="05000000000000000000" pitchFamily="2" charset="2"/>
+              </a:rPr>
+              <a:t></a:t>
+            </a:r>
+            <a:endParaRPr lang="en-US" dirty="0"/>
+          </a:p>
+        </p:txBody>
+      </p:sp>
+    </p:spTree>
+    <p:extLst>
+      <p:ext uri="{BB962C8B-B14F-4D97-AF65-F5344CB8AC3E}">
+        <p14:creationId xmlns:p14="http://schemas.microsoft.com/office/powerpoint/2010/main" val="360377656"/>
+      </p:ext>
+    </p:extLst>
+  </p:cSld>
+  <p:clrMapOvr>
+    <a:masterClrMapping/>
+  </p:clrMapOvr>
+</p:sld>
+</file>
+
+<file path=ppt/slides/slide9.xml><?xml version="1.0" encoding="utf-8"?>
+<p:sld xmlns:a="http://schemas.openxmlformats.org/drawingml/2006/main" xmlns:r="http://schemas.openxmlformats.org/officeDocument/2006/relationships" xmlns:p="http://schemas.openxmlformats.org/presentationml/2006/main">
+  <p:cSld>
+    <p:spTree>
+      <p:nvGrpSpPr>
+        <p:cNvPr id="1" name=""/>
+        <p:cNvGrpSpPr/>
+        <p:nvPr/>
+      </p:nvGrpSpPr>
+      <p:grpSpPr>
+        <a:xfrm>
+          <a:off x="0" y="0"/>
+          <a:ext cx="0" cy="0"/>
+          <a:chOff x="0" y="0"/>
+          <a:chExt cx="0" cy="0"/>
+        </a:xfrm>
+      </p:grpSpPr>
+      <p:sp>
+        <p:nvSpPr>
+          <p:cNvPr id="2" name="Title 1"/>
+          <p:cNvSpPr>
+            <a:spLocks noGrp="1"/>
+          </p:cNvSpPr>
+          <p:nvPr>
+            <p:ph type="title"/>
+          </p:nvPr>
+        </p:nvSpPr>
+        <p:spPr/>
+        <p:txBody>
+          <a:bodyPr/>
+          <a:lstStyle/>
+          <a:p>
+            <a:r>
+              <a:rPr lang="tr-TR" dirty="0" smtClean="0"/>
+              <a:t>System Dynamic for One Drone</a:t>
+            </a:r>
+            <a:endParaRPr lang="en-US" dirty="0"/>
+          </a:p>
+        </p:txBody>
+      </p:sp>
+      <p:sp>
+        <p:nvSpPr>
+          <p:cNvPr id="5" name="Content Placeholder 4"/>
+          <p:cNvSpPr>
+            <a:spLocks noGrp="1"/>
+          </p:cNvSpPr>
+          <p:nvPr>
+            <p:ph idx="1"/>
+          </p:nvPr>
+        </p:nvSpPr>
+        <p:spPr/>
+        <p:txBody>
+          <a:bodyPr/>
+          <a:lstStyle/>
+          <a:p>
+            <a:endParaRPr lang="en-US" dirty="0"/>
+          </a:p>
+        </p:txBody>
+      </p:sp>
+      <p:pic>
+        <p:nvPicPr>
+          <p:cNvPr id="6" name="Picture 5"/>
+          <p:cNvPicPr>
+            <a:picLocks noChangeAspect="1"/>
+          </p:cNvPicPr>
+          <p:nvPr/>
+        </p:nvPicPr>
+        <p:blipFill>
+          <a:blip r:embed="rId2"/>
+          <a:stretch>
+            <a:fillRect/>
+          </a:stretch>
+        </p:blipFill>
+        <p:spPr>
+          <a:xfrm>
+            <a:off x="2707887" y="1825625"/>
+            <a:ext cx="7058025" cy="2790825"/>
+          </a:xfrm>
+          <a:prstGeom prst="rect">
+            <a:avLst/>
+          </a:prstGeom>
+        </p:spPr>
+      </p:pic>
+    </p:spTree>
+    <p:extLst>
+      <p:ext uri="{BB962C8B-B14F-4D97-AF65-F5344CB8AC3E}">
+        <p14:creationId xmlns:p14="http://schemas.microsoft.com/office/powerpoint/2010/main" val="1331717532"/>
+      </p:ext>
+    </p:extLst>
+  </p:cSld>
+  <p:clrMapOvr>
+    <a:masterClrMapping/>
+  </p:clrMapOvr>
+</p:sld>
+</file>
+
 <file path=ppt/theme/theme1.xml><?xml version="1.0" encoding="utf-8"?>
 <a:theme xmlns:a="http://schemas.openxmlformats.org/drawingml/2006/main" name="Depth">
   <a:themeElements>
@@ -6044,4 +9549,265 @@
     </a:ext>
   </a:extLst>
 </a:theme>
+</file>
+
+<file path=ppt/theme/theme2.xml><?xml version="1.0" encoding="utf-8"?>
+<a:theme xmlns:a="http://schemas.openxmlformats.org/drawingml/2006/main" name="Office Theme">
+  <a:themeElements>
+    <a:clrScheme name="Office">
+      <a:dk1>
+        <a:sysClr val="windowText" lastClr="000000"/>
+      </a:dk1>
+      <a:lt1>
+        <a:sysClr val="window" lastClr="FFFFFF"/>
+      </a:lt1>
+      <a:dk2>
+        <a:srgbClr val="44546A"/>
+      </a:dk2>
+      <a:lt2>
+        <a:srgbClr val="E7E6E6"/>
+      </a:lt2>
+      <a:accent1>
+        <a:srgbClr val="5B9BD5"/>
+      </a:accent1>
+      <a:accent2>
+        <a:srgbClr val="ED7D31"/>
+      </a:accent2>
+      <a:accent3>
+        <a:srgbClr val="A5A5A5"/>
+      </a:accent3>
+      <a:accent4>
+        <a:srgbClr val="FFC000"/>
+      </a:accent4>
+      <a:accent5>
+        <a:srgbClr val="4472C4"/>
+      </a:accent5>
+      <a:accent6>
+        <a:srgbClr val="70AD47"/>
+      </a:accent6>
+      <a:hlink>
+        <a:srgbClr val="0563C1"/>
+      </a:hlink>
+      <a:folHlink>
+        <a:srgbClr val="954F72"/>
+      </a:folHlink>
+    </a:clrScheme>
+    <a:fontScheme name="Office">
+      <a:majorFont>
+        <a:latin typeface="Calibri Light" panose="020F0302020204030204"/>
+        <a:ea typeface=""/>
+        <a:cs typeface=""/>
+        <a:font script="Jpan" typeface="ＭＳ Ｐゴシック"/>
+        <a:font script="Hang" typeface="맑은 고딕"/>
+        <a:font script="Hans" typeface="宋体"/>
+        <a:font script="Hant" typeface="新細明體"/>
+        <a:font script="Arab" typeface="Times New Roman"/>
+        <a:font script="Hebr" typeface="Times New Roman"/>
+        <a:font script="Thai" typeface="Angsana New"/>
+        <a:font script="Ethi" typeface="Nyala"/>
+        <a:font script="Beng" typeface="Vrinda"/>
+        <a:font script="Gujr" typeface="Shruti"/>
+        <a:font script="Khmr" typeface="MoolBoran"/>
+        <a:font script="Knda" typeface="Tunga"/>
+        <a:font script="Guru" typeface="Raavi"/>
+        <a:font script="Cans" typeface="Euphemia"/>
+        <a:font script="Cher" typeface="Plantagenet Cherokee"/>
+        <a:font script="Yiii" typeface="Microsoft Yi Baiti"/>
+        <a:font script="Tibt" typeface="Microsoft Himalaya"/>
+        <a:font script="Thaa" typeface="MV Boli"/>
+        <a:font script="Deva" typeface="Mangal"/>
+        <a:font script="Telu" typeface="Gautami"/>
+        <a:font script="Taml" typeface="Latha"/>
+        <a:font script="Syrc" typeface="Estrangelo Edessa"/>
+        <a:font script="Orya" typeface="Kalinga"/>
+        <a:font script="Mlym" typeface="Kartika"/>
+        <a:font script="Laoo" typeface="DokChampa"/>
+        <a:font script="Sinh" typeface="Iskoola Pota"/>
+        <a:font script="Mong" typeface="Mongolian Baiti"/>
+        <a:font script="Viet" typeface="Times New Roman"/>
+        <a:font script="Uigh" typeface="Microsoft Uighur"/>
+        <a:font script="Geor" typeface="Sylfaen"/>
+      </a:majorFont>
+      <a:minorFont>
+        <a:latin typeface="Calibri" panose="020F0502020204030204"/>
+        <a:ea typeface=""/>
+        <a:cs typeface=""/>
+        <a:font script="Jpan" typeface="ＭＳ Ｐゴシック"/>
+        <a:font script="Hang" typeface="맑은 고딕"/>
+        <a:font script="Hans" typeface="宋体"/>
+        <a:font script="Hant" typeface="新細明體"/>
+        <a:font script="Arab" typeface="Arial"/>
+        <a:font script="Hebr" typeface="Arial"/>
+        <a:font script="Thai" typeface="Cordia New"/>
+        <a:font script="Ethi" typeface="Nyala"/>
+        <a:font script="Beng" typeface="Vrinda"/>
+        <a:font script="Gujr" typeface="Shruti"/>
+        <a:font script="Khmr" typeface="DaunPenh"/>
+        <a:font script="Knda" typeface="Tunga"/>
+        <a:font script="Guru" typeface="Raavi"/>
+        <a:font script="Cans" typeface="Euphemia"/>
+        <a:font script="Cher" typeface="Plantagenet Cherokee"/>
+        <a:font script="Yiii" typeface="Microsoft Yi Baiti"/>
+        <a:font script="Tibt" typeface="Microsoft Himalaya"/>
+        <a:font script="Thaa" typeface="MV Boli"/>
+        <a:font script="Deva" typeface="Mangal"/>
+        <a:font script="Telu" typeface="Gautami"/>
+        <a:font script="Taml" typeface="Latha"/>
+        <a:font script="Syrc" typeface="Estrangelo Edessa"/>
+        <a:font script="Orya" typeface="Kalinga"/>
+        <a:font script="Mlym" typeface="Kartika"/>
+        <a:font script="Laoo" typeface="DokChampa"/>
+        <a:font script="Sinh" typeface="Iskoola Pota"/>
+        <a:font script="Mong" typeface="Mongolian Baiti"/>
+        <a:font script="Viet" typeface="Arial"/>
+        <a:font script="Uigh" typeface="Microsoft Uighur"/>
+        <a:font script="Geor" typeface="Sylfaen"/>
+      </a:minorFont>
+    </a:fontScheme>
+    <a:fmtScheme name="Office">
+      <a:fillStyleLst>
+        <a:solidFill>
+          <a:schemeClr val="phClr"/>
+        </a:solidFill>
+        <a:gradFill rotWithShape="1">
+          <a:gsLst>
+            <a:gs pos="0">
+              <a:schemeClr val="phClr">
+                <a:lumMod val="110000"/>
+                <a:satMod val="105000"/>
+                <a:tint val="67000"/>
+              </a:schemeClr>
+            </a:gs>
+            <a:gs pos="50000">
+              <a:schemeClr val="phClr">
+                <a:lumMod val="105000"/>
+                <a:satMod val="103000"/>
+                <a:tint val="73000"/>
+              </a:schemeClr>
+            </a:gs>
+            <a:gs pos="100000">
+              <a:schemeClr val="phClr">
+                <a:lumMod val="105000"/>
+                <a:satMod val="109000"/>
+                <a:tint val="81000"/>
+              </a:schemeClr>
+            </a:gs>
+          </a:gsLst>
+          <a:lin ang="5400000" scaled="0"/>
+        </a:gradFill>
+        <a:gradFill rotWithShape="1">
+          <a:gsLst>
+            <a:gs pos="0">
+              <a:schemeClr val="phClr">
+                <a:satMod val="103000"/>
+                <a:lumMod val="102000"/>
+                <a:tint val="94000"/>
+              </a:schemeClr>
+            </a:gs>
+            <a:gs pos="50000">
+              <a:schemeClr val="phClr">
+                <a:satMod val="110000"/>
+                <a:lumMod val="100000"/>
+                <a:shade val="100000"/>
+              </a:schemeClr>
+            </a:gs>
+            <a:gs pos="100000">
+              <a:schemeClr val="phClr">
+                <a:lumMod val="99000"/>
+                <a:satMod val="120000"/>
+                <a:shade val="78000"/>
+              </a:schemeClr>
+            </a:gs>
+          </a:gsLst>
+          <a:lin ang="5400000" scaled="0"/>
+        </a:gradFill>
+      </a:fillStyleLst>
+      <a:lnStyleLst>
+        <a:ln w="6350" cap="flat" cmpd="sng" algn="ctr">
+          <a:solidFill>
+            <a:schemeClr val="phClr"/>
+          </a:solidFill>
+          <a:prstDash val="solid"/>
+          <a:miter lim="800000"/>
+        </a:ln>
+        <a:ln w="12700" cap="flat" cmpd="sng" algn="ctr">
+          <a:solidFill>
+            <a:schemeClr val="phClr"/>
+          </a:solidFill>
+          <a:prstDash val="solid"/>
+          <a:miter lim="800000"/>
+        </a:ln>
+        <a:ln w="19050" cap="flat" cmpd="sng" algn="ctr">
+          <a:solidFill>
+            <a:schemeClr val="phClr"/>
+          </a:solidFill>
+          <a:prstDash val="solid"/>
+          <a:miter lim="800000"/>
+        </a:ln>
+      </a:lnStyleLst>
+      <a:effectStyleLst>
+        <a:effectStyle>
+          <a:effectLst/>
+        </a:effectStyle>
+        <a:effectStyle>
+          <a:effectLst/>
+        </a:effectStyle>
+        <a:effectStyle>
+          <a:effectLst>
+            <a:outerShdw blurRad="57150" dist="19050" dir="5400000" algn="ctr" rotWithShape="0">
+              <a:srgbClr val="000000">
+                <a:alpha val="63000"/>
+              </a:srgbClr>
+            </a:outerShdw>
+          </a:effectLst>
+        </a:effectStyle>
+      </a:effectStyleLst>
+      <a:bgFillStyleLst>
+        <a:solidFill>
+          <a:schemeClr val="phClr"/>
+        </a:solidFill>
+        <a:solidFill>
+          <a:schemeClr val="phClr">
+            <a:tint val="95000"/>
+            <a:satMod val="170000"/>
+          </a:schemeClr>
+        </a:solidFill>
+        <a:gradFill rotWithShape="1">
+          <a:gsLst>
+            <a:gs pos="0">
+              <a:schemeClr val="phClr">
+                <a:tint val="93000"/>
+                <a:satMod val="150000"/>
+                <a:shade val="98000"/>
+                <a:lumMod val="102000"/>
+              </a:schemeClr>
+            </a:gs>
+            <a:gs pos="50000">
+              <a:schemeClr val="phClr">
+                <a:tint val="98000"/>
+                <a:satMod val="130000"/>
+                <a:shade val="90000"/>
+                <a:lumMod val="103000"/>
+              </a:schemeClr>
+            </a:gs>
+            <a:gs pos="100000">
+              <a:schemeClr val="phClr">
+                <a:shade val="63000"/>
+                <a:satMod val="120000"/>
+              </a:schemeClr>
+            </a:gs>
+          </a:gsLst>
+          <a:lin ang="5400000" scaled="0"/>
+        </a:gradFill>
+      </a:bgFillStyleLst>
+    </a:fmtScheme>
+  </a:themeElements>
+  <a:objectDefaults/>
+  <a:extraClrSchemeLst/>
+  <a:extLst>
+    <a:ext uri="{05A4C25C-085E-4340-85A3-A5531E510DB2}">
+      <thm15:themeFamily xmlns:thm15="http://schemas.microsoft.com/office/thememl/2012/main" name="Office Theme" id="{62F939B6-93AF-4DB8-9C6B-D6C7DFDC589F}" vid="{4A3C46E8-61CC-4603-A589-7422A47A8E4A}"/>
+    </a:ext>
+  </a:extLst>
+</a:theme>
 </file>